--- a/HighCondRepresentativeModelTests/HighCondModels_CommonInputs/Output/Schematic2.pptx
+++ b/HighCondRepresentativeModelTests/HighCondModels_CommonInputs/Output/Schematic2.pptx
@@ -2,7 +2,7 @@
 <file path=ppt/presentation.xml><?xml version="1.0" encoding="utf-8"?>
 <p:presentation xmlns:a="http://schemas.openxmlformats.org/drawingml/2006/main" xmlns:r="http://schemas.openxmlformats.org/officeDocument/2006/relationships" xmlns:p="http://schemas.openxmlformats.org/presentationml/2006/main" saveSubsetFonts="1" autoCompressPictures="0">
   <p:sldMasterIdLst>
-    <p:sldMasterId id="2147483660" r:id="rId1"/>
+    <p:sldMasterId id="2147483696" r:id="rId1"/>
   </p:sldMasterIdLst>
   <p:notesMasterIdLst>
     <p:notesMasterId r:id="rId3"/>
@@ -10,14 +10,14 @@
   <p:sldIdLst>
     <p:sldId id="257" r:id="rId2"/>
   </p:sldIdLst>
-  <p:sldSz cx="9144000" cy="6858000" type="screen4x3"/>
+  <p:sldSz cx="8280400" cy="4679950"/>
   <p:notesSz cx="6858000" cy="9144000"/>
   <p:defaultTextStyle>
     <a:defPPr>
       <a:defRPr lang="en-US"/>
     </a:defPPr>
-    <a:lvl1pPr marL="0" algn="l" defTabSz="914400" rtl="0" eaLnBrk="1" latinLnBrk="0" hangingPunct="1">
-      <a:defRPr sz="1800" kern="1200">
+    <a:lvl1pPr marL="0" algn="l" defTabSz="719999" rtl="0" eaLnBrk="1" latinLnBrk="0" hangingPunct="1">
+      <a:defRPr sz="1417" kern="1200">
         <a:solidFill>
           <a:schemeClr val="tx1"/>
         </a:solidFill>
@@ -26,8 +26,8 @@
         <a:cs typeface="+mn-cs"/>
       </a:defRPr>
     </a:lvl1pPr>
-    <a:lvl2pPr marL="457200" algn="l" defTabSz="914400" rtl="0" eaLnBrk="1" latinLnBrk="0" hangingPunct="1">
-      <a:defRPr sz="1800" kern="1200">
+    <a:lvl2pPr marL="359999" algn="l" defTabSz="719999" rtl="0" eaLnBrk="1" latinLnBrk="0" hangingPunct="1">
+      <a:defRPr sz="1417" kern="1200">
         <a:solidFill>
           <a:schemeClr val="tx1"/>
         </a:solidFill>
@@ -36,8 +36,8 @@
         <a:cs typeface="+mn-cs"/>
       </a:defRPr>
     </a:lvl2pPr>
-    <a:lvl3pPr marL="914400" algn="l" defTabSz="914400" rtl="0" eaLnBrk="1" latinLnBrk="0" hangingPunct="1">
-      <a:defRPr sz="1800" kern="1200">
+    <a:lvl3pPr marL="719999" algn="l" defTabSz="719999" rtl="0" eaLnBrk="1" latinLnBrk="0" hangingPunct="1">
+      <a:defRPr sz="1417" kern="1200">
         <a:solidFill>
           <a:schemeClr val="tx1"/>
         </a:solidFill>
@@ -46,8 +46,8 @@
         <a:cs typeface="+mn-cs"/>
       </a:defRPr>
     </a:lvl3pPr>
-    <a:lvl4pPr marL="1371600" algn="l" defTabSz="914400" rtl="0" eaLnBrk="1" latinLnBrk="0" hangingPunct="1">
-      <a:defRPr sz="1800" kern="1200">
+    <a:lvl4pPr marL="1079998" algn="l" defTabSz="719999" rtl="0" eaLnBrk="1" latinLnBrk="0" hangingPunct="1">
+      <a:defRPr sz="1417" kern="1200">
         <a:solidFill>
           <a:schemeClr val="tx1"/>
         </a:solidFill>
@@ -56,8 +56,8 @@
         <a:cs typeface="+mn-cs"/>
       </a:defRPr>
     </a:lvl4pPr>
-    <a:lvl5pPr marL="1828800" algn="l" defTabSz="914400" rtl="0" eaLnBrk="1" latinLnBrk="0" hangingPunct="1">
-      <a:defRPr sz="1800" kern="1200">
+    <a:lvl5pPr marL="1439997" algn="l" defTabSz="719999" rtl="0" eaLnBrk="1" latinLnBrk="0" hangingPunct="1">
+      <a:defRPr sz="1417" kern="1200">
         <a:solidFill>
           <a:schemeClr val="tx1"/>
         </a:solidFill>
@@ -66,8 +66,8 @@
         <a:cs typeface="+mn-cs"/>
       </a:defRPr>
     </a:lvl5pPr>
-    <a:lvl6pPr marL="2286000" algn="l" defTabSz="914400" rtl="0" eaLnBrk="1" latinLnBrk="0" hangingPunct="1">
-      <a:defRPr sz="1800" kern="1200">
+    <a:lvl6pPr marL="1799996" algn="l" defTabSz="719999" rtl="0" eaLnBrk="1" latinLnBrk="0" hangingPunct="1">
+      <a:defRPr sz="1417" kern="1200">
         <a:solidFill>
           <a:schemeClr val="tx1"/>
         </a:solidFill>
@@ -76,8 +76,8 @@
         <a:cs typeface="+mn-cs"/>
       </a:defRPr>
     </a:lvl6pPr>
-    <a:lvl7pPr marL="2743200" algn="l" defTabSz="914400" rtl="0" eaLnBrk="1" latinLnBrk="0" hangingPunct="1">
-      <a:defRPr sz="1800" kern="1200">
+    <a:lvl7pPr marL="2159996" algn="l" defTabSz="719999" rtl="0" eaLnBrk="1" latinLnBrk="0" hangingPunct="1">
+      <a:defRPr sz="1417" kern="1200">
         <a:solidFill>
           <a:schemeClr val="tx1"/>
         </a:solidFill>
@@ -86,8 +86,8 @@
         <a:cs typeface="+mn-cs"/>
       </a:defRPr>
     </a:lvl7pPr>
-    <a:lvl8pPr marL="3200400" algn="l" defTabSz="914400" rtl="0" eaLnBrk="1" latinLnBrk="0" hangingPunct="1">
-      <a:defRPr sz="1800" kern="1200">
+    <a:lvl8pPr marL="2519995" algn="l" defTabSz="719999" rtl="0" eaLnBrk="1" latinLnBrk="0" hangingPunct="1">
+      <a:defRPr sz="1417" kern="1200">
         <a:solidFill>
           <a:schemeClr val="tx1"/>
         </a:solidFill>
@@ -96,8 +96,8 @@
         <a:cs typeface="+mn-cs"/>
       </a:defRPr>
     </a:lvl8pPr>
-    <a:lvl9pPr marL="3657600" algn="l" defTabSz="914400" rtl="0" eaLnBrk="1" latinLnBrk="0" hangingPunct="1">
-      <a:defRPr sz="1800" kern="1200">
+    <a:lvl9pPr marL="2879994" algn="l" defTabSz="719999" rtl="0" eaLnBrk="1" latinLnBrk="0" hangingPunct="1">
+      <a:defRPr sz="1417" kern="1200">
         <a:solidFill>
           <a:schemeClr val="tx1"/>
         </a:solidFill>
@@ -197,7 +197,7 @@
           <a:p>
             <a:fld id="{362BF355-0B01-3442-957D-F666D5AA623D}" type="datetimeFigureOut">
               <a:rPr lang="en-US" smtClean="0"/>
-              <a:t>9/6/17</a:t>
+              <a:t>3/21/18</a:t>
             </a:fld>
             <a:endParaRPr lang="en-US"/>
           </a:p>
@@ -215,8 +215,8 @@
         </p:nvSpPr>
         <p:spPr>
           <a:xfrm>
-            <a:off x="1371600" y="1143000"/>
-            <a:ext cx="4114800" cy="3086100"/>
+            <a:off x="698500" y="1143000"/>
+            <a:ext cx="5461000" cy="3086100"/>
           </a:xfrm>
           <a:prstGeom prst="rect">
             <a:avLst/>
@@ -371,8 +371,8 @@
   </p:cSld>
   <p:clrMap bg1="lt1" tx1="dk1" bg2="lt2" tx2="dk2" accent1="accent1" accent2="accent2" accent3="accent3" accent4="accent4" accent5="accent5" accent6="accent6" hlink="hlink" folHlink="folHlink"/>
   <p:notesStyle>
-    <a:lvl1pPr marL="0" algn="l" defTabSz="914400" rtl="0" eaLnBrk="1" latinLnBrk="0" hangingPunct="1">
-      <a:defRPr sz="1200" kern="1200">
+    <a:lvl1pPr marL="0" algn="l" defTabSz="719999" rtl="0" eaLnBrk="1" latinLnBrk="0" hangingPunct="1">
+      <a:defRPr sz="945" kern="1200">
         <a:solidFill>
           <a:schemeClr val="tx1"/>
         </a:solidFill>
@@ -381,8 +381,8 @@
         <a:cs typeface="+mn-cs"/>
       </a:defRPr>
     </a:lvl1pPr>
-    <a:lvl2pPr marL="457200" algn="l" defTabSz="914400" rtl="0" eaLnBrk="1" latinLnBrk="0" hangingPunct="1">
-      <a:defRPr sz="1200" kern="1200">
+    <a:lvl2pPr marL="359999" algn="l" defTabSz="719999" rtl="0" eaLnBrk="1" latinLnBrk="0" hangingPunct="1">
+      <a:defRPr sz="945" kern="1200">
         <a:solidFill>
           <a:schemeClr val="tx1"/>
         </a:solidFill>
@@ -391,8 +391,8 @@
         <a:cs typeface="+mn-cs"/>
       </a:defRPr>
     </a:lvl2pPr>
-    <a:lvl3pPr marL="914400" algn="l" defTabSz="914400" rtl="0" eaLnBrk="1" latinLnBrk="0" hangingPunct="1">
-      <a:defRPr sz="1200" kern="1200">
+    <a:lvl3pPr marL="719999" algn="l" defTabSz="719999" rtl="0" eaLnBrk="1" latinLnBrk="0" hangingPunct="1">
+      <a:defRPr sz="945" kern="1200">
         <a:solidFill>
           <a:schemeClr val="tx1"/>
         </a:solidFill>
@@ -401,8 +401,8 @@
         <a:cs typeface="+mn-cs"/>
       </a:defRPr>
     </a:lvl3pPr>
-    <a:lvl4pPr marL="1371600" algn="l" defTabSz="914400" rtl="0" eaLnBrk="1" latinLnBrk="0" hangingPunct="1">
-      <a:defRPr sz="1200" kern="1200">
+    <a:lvl4pPr marL="1079998" algn="l" defTabSz="719999" rtl="0" eaLnBrk="1" latinLnBrk="0" hangingPunct="1">
+      <a:defRPr sz="945" kern="1200">
         <a:solidFill>
           <a:schemeClr val="tx1"/>
         </a:solidFill>
@@ -411,8 +411,8 @@
         <a:cs typeface="+mn-cs"/>
       </a:defRPr>
     </a:lvl4pPr>
-    <a:lvl5pPr marL="1828800" algn="l" defTabSz="914400" rtl="0" eaLnBrk="1" latinLnBrk="0" hangingPunct="1">
-      <a:defRPr sz="1200" kern="1200">
+    <a:lvl5pPr marL="1439997" algn="l" defTabSz="719999" rtl="0" eaLnBrk="1" latinLnBrk="0" hangingPunct="1">
+      <a:defRPr sz="945" kern="1200">
         <a:solidFill>
           <a:schemeClr val="tx1"/>
         </a:solidFill>
@@ -421,8 +421,8 @@
         <a:cs typeface="+mn-cs"/>
       </a:defRPr>
     </a:lvl5pPr>
-    <a:lvl6pPr marL="2286000" algn="l" defTabSz="914400" rtl="0" eaLnBrk="1" latinLnBrk="0" hangingPunct="1">
-      <a:defRPr sz="1200" kern="1200">
+    <a:lvl6pPr marL="1799996" algn="l" defTabSz="719999" rtl="0" eaLnBrk="1" latinLnBrk="0" hangingPunct="1">
+      <a:defRPr sz="945" kern="1200">
         <a:solidFill>
           <a:schemeClr val="tx1"/>
         </a:solidFill>
@@ -431,8 +431,8 @@
         <a:cs typeface="+mn-cs"/>
       </a:defRPr>
     </a:lvl6pPr>
-    <a:lvl7pPr marL="2743200" algn="l" defTabSz="914400" rtl="0" eaLnBrk="1" latinLnBrk="0" hangingPunct="1">
-      <a:defRPr sz="1200" kern="1200">
+    <a:lvl7pPr marL="2159996" algn="l" defTabSz="719999" rtl="0" eaLnBrk="1" latinLnBrk="0" hangingPunct="1">
+      <a:defRPr sz="945" kern="1200">
         <a:solidFill>
           <a:schemeClr val="tx1"/>
         </a:solidFill>
@@ -441,8 +441,8 @@
         <a:cs typeface="+mn-cs"/>
       </a:defRPr>
     </a:lvl7pPr>
-    <a:lvl8pPr marL="3200400" algn="l" defTabSz="914400" rtl="0" eaLnBrk="1" latinLnBrk="0" hangingPunct="1">
-      <a:defRPr sz="1200" kern="1200">
+    <a:lvl8pPr marL="2519995" algn="l" defTabSz="719999" rtl="0" eaLnBrk="1" latinLnBrk="0" hangingPunct="1">
+      <a:defRPr sz="945" kern="1200">
         <a:solidFill>
           <a:schemeClr val="tx1"/>
         </a:solidFill>
@@ -451,8 +451,8 @@
         <a:cs typeface="+mn-cs"/>
       </a:defRPr>
     </a:lvl8pPr>
-    <a:lvl9pPr marL="3657600" algn="l" defTabSz="914400" rtl="0" eaLnBrk="1" latinLnBrk="0" hangingPunct="1">
-      <a:defRPr sz="1200" kern="1200">
+    <a:lvl9pPr marL="2879994" algn="l" defTabSz="719999" rtl="0" eaLnBrk="1" latinLnBrk="0" hangingPunct="1">
+      <a:defRPr sz="945" kern="1200">
         <a:solidFill>
           <a:schemeClr val="tx1"/>
         </a:solidFill>
@@ -492,7 +492,12 @@
             <p:ph type="sldImg"/>
           </p:nvPr>
         </p:nvSpPr>
-        <p:spPr/>
+        <p:spPr>
+          <a:xfrm>
+            <a:off x="698500" y="1143000"/>
+            <a:ext cx="5461000" cy="3086100"/>
+          </a:xfrm>
+        </p:spPr>
       </p:sp>
       <p:sp>
         <p:nvSpPr>
@@ -625,15 +630,15 @@
         </p:nvSpPr>
         <p:spPr>
           <a:xfrm>
-            <a:off x="685800" y="1122363"/>
-            <a:ext cx="7772400" cy="2387600"/>
+            <a:off x="1035050" y="765909"/>
+            <a:ext cx="6210300" cy="1629316"/>
           </a:xfrm>
         </p:spPr>
         <p:txBody>
           <a:bodyPr anchor="b"/>
           <a:lstStyle>
             <a:lvl1pPr algn="ctr">
-              <a:defRPr sz="6000"/>
+              <a:defRPr sz="4075"/>
             </a:lvl1pPr>
           </a:lstStyle>
           <a:p>
@@ -657,8 +662,8 @@
         </p:nvSpPr>
         <p:spPr>
           <a:xfrm>
-            <a:off x="1143000" y="3602038"/>
-            <a:ext cx="6858000" cy="1655762"/>
+            <a:off x="1035050" y="2458058"/>
+            <a:ext cx="6210300" cy="1129904"/>
           </a:xfrm>
         </p:spPr>
         <p:txBody>
@@ -666,39 +671,39 @@
           <a:lstStyle>
             <a:lvl1pPr marL="0" indent="0" algn="ctr">
               <a:buNone/>
-              <a:defRPr sz="2400"/>
+              <a:defRPr sz="1630"/>
             </a:lvl1pPr>
-            <a:lvl2pPr marL="457200" indent="0" algn="ctr">
-              <a:buNone/>
-              <a:defRPr sz="2000"/>
+            <a:lvl2pPr marL="310530" indent="0" algn="ctr">
+              <a:buNone/>
+              <a:defRPr sz="1358"/>
             </a:lvl2pPr>
-            <a:lvl3pPr marL="914400" indent="0" algn="ctr">
-              <a:buNone/>
-              <a:defRPr sz="1800"/>
+            <a:lvl3pPr marL="621060" indent="0" algn="ctr">
+              <a:buNone/>
+              <a:defRPr sz="1223"/>
             </a:lvl3pPr>
-            <a:lvl4pPr marL="1371600" indent="0" algn="ctr">
-              <a:buNone/>
-              <a:defRPr sz="1600"/>
+            <a:lvl4pPr marL="931591" indent="0" algn="ctr">
+              <a:buNone/>
+              <a:defRPr sz="1087"/>
             </a:lvl4pPr>
-            <a:lvl5pPr marL="1828800" indent="0" algn="ctr">
-              <a:buNone/>
-              <a:defRPr sz="1600"/>
+            <a:lvl5pPr marL="1242121" indent="0" algn="ctr">
+              <a:buNone/>
+              <a:defRPr sz="1087"/>
             </a:lvl5pPr>
-            <a:lvl6pPr marL="2286000" indent="0" algn="ctr">
-              <a:buNone/>
-              <a:defRPr sz="1600"/>
+            <a:lvl6pPr marL="1552651" indent="0" algn="ctr">
+              <a:buNone/>
+              <a:defRPr sz="1087"/>
             </a:lvl6pPr>
-            <a:lvl7pPr marL="2743200" indent="0" algn="ctr">
-              <a:buNone/>
-              <a:defRPr sz="1600"/>
+            <a:lvl7pPr marL="1863181" indent="0" algn="ctr">
+              <a:buNone/>
+              <a:defRPr sz="1087"/>
             </a:lvl7pPr>
-            <a:lvl8pPr marL="3200400" indent="0" algn="ctr">
-              <a:buNone/>
-              <a:defRPr sz="1600"/>
+            <a:lvl8pPr marL="2173712" indent="0" algn="ctr">
+              <a:buNone/>
+              <a:defRPr sz="1087"/>
             </a:lvl8pPr>
-            <a:lvl9pPr marL="3657600" indent="0" algn="ctr">
-              <a:buNone/>
-              <a:defRPr sz="1600"/>
+            <a:lvl9pPr marL="2484242" indent="0" algn="ctr">
+              <a:buNone/>
+              <a:defRPr sz="1087"/>
             </a:lvl9pPr>
           </a:lstStyle>
           <a:p>
@@ -727,7 +732,7 @@
           <a:p>
             <a:fld id="{BF55B197-1AA7-0642-84E6-D9C5D24F06D6}" type="datetimeFigureOut">
               <a:rPr lang="en-US" smtClean="0"/>
-              <a:t>9/6/17</a:t>
+              <a:t>3/21/18</a:t>
             </a:fld>
             <a:endParaRPr lang="en-US"/>
           </a:p>
@@ -892,7 +897,7 @@
           <a:p>
             <a:fld id="{BF55B197-1AA7-0642-84E6-D9C5D24F06D6}" type="datetimeFigureOut">
               <a:rPr lang="en-US" smtClean="0"/>
-              <a:t>9/6/17</a:t>
+              <a:t>3/21/18</a:t>
             </a:fld>
             <a:endParaRPr lang="en-US"/>
           </a:p>
@@ -977,8 +982,8 @@
         </p:nvSpPr>
         <p:spPr>
           <a:xfrm>
-            <a:off x="6543675" y="365125"/>
-            <a:ext cx="1971675" cy="5811838"/>
+            <a:off x="5925661" y="249164"/>
+            <a:ext cx="1785461" cy="3966041"/>
           </a:xfrm>
         </p:spPr>
         <p:txBody>
@@ -1005,8 +1010,8 @@
         </p:nvSpPr>
         <p:spPr>
           <a:xfrm>
-            <a:off x="628650" y="365125"/>
-            <a:ext cx="5800725" cy="5811838"/>
+            <a:off x="569277" y="249164"/>
+            <a:ext cx="5252879" cy="3966041"/>
           </a:xfrm>
         </p:spPr>
         <p:txBody>
@@ -1067,7 +1072,7 @@
           <a:p>
             <a:fld id="{BF55B197-1AA7-0642-84E6-D9C5D24F06D6}" type="datetimeFigureOut">
               <a:rPr lang="en-US" smtClean="0"/>
-              <a:t>9/6/17</a:t>
+              <a:t>3/21/18</a:t>
             </a:fld>
             <a:endParaRPr lang="en-US"/>
           </a:p>
@@ -1232,7 +1237,7 @@
           <a:p>
             <a:fld id="{BF55B197-1AA7-0642-84E6-D9C5D24F06D6}" type="datetimeFigureOut">
               <a:rPr lang="en-US" smtClean="0"/>
-              <a:t>9/6/17</a:t>
+              <a:t>3/21/18</a:t>
             </a:fld>
             <a:endParaRPr lang="en-US"/>
           </a:p>
@@ -1317,15 +1322,15 @@
         </p:nvSpPr>
         <p:spPr>
           <a:xfrm>
-            <a:off x="623888" y="1709739"/>
-            <a:ext cx="7886700" cy="2852737"/>
+            <a:off x="564965" y="1166738"/>
+            <a:ext cx="7141845" cy="1946729"/>
           </a:xfrm>
         </p:spPr>
         <p:txBody>
           <a:bodyPr anchor="b"/>
           <a:lstStyle>
             <a:lvl1pPr>
-              <a:defRPr sz="6000"/>
+              <a:defRPr sz="4075"/>
             </a:lvl1pPr>
           </a:lstStyle>
           <a:p>
@@ -1349,8 +1354,8 @@
         </p:nvSpPr>
         <p:spPr>
           <a:xfrm>
-            <a:off x="623888" y="4589464"/>
-            <a:ext cx="7886700" cy="1500187"/>
+            <a:off x="564965" y="3131884"/>
+            <a:ext cx="7141845" cy="1023739"/>
           </a:xfrm>
         </p:spPr>
         <p:txBody>
@@ -1358,15 +1363,17 @@
           <a:lstStyle>
             <a:lvl1pPr marL="0" indent="0">
               <a:buNone/>
-              <a:defRPr sz="2400">
+              <a:defRPr sz="1630">
                 <a:solidFill>
-                  <a:schemeClr val="tx1"/>
+                  <a:schemeClr val="tx1">
+                    <a:tint val="75000"/>
+                  </a:schemeClr>
                 </a:solidFill>
               </a:defRPr>
             </a:lvl1pPr>
-            <a:lvl2pPr marL="457200" indent="0">
-              <a:buNone/>
-              <a:defRPr sz="2000">
+            <a:lvl2pPr marL="310530" indent="0">
+              <a:buNone/>
+              <a:defRPr sz="1358">
                 <a:solidFill>
                   <a:schemeClr val="tx1">
                     <a:tint val="75000"/>
@@ -1374,9 +1381,9 @@
                 </a:solidFill>
               </a:defRPr>
             </a:lvl2pPr>
-            <a:lvl3pPr marL="914400" indent="0">
-              <a:buNone/>
-              <a:defRPr sz="1800">
+            <a:lvl3pPr marL="621060" indent="0">
+              <a:buNone/>
+              <a:defRPr sz="1223">
                 <a:solidFill>
                   <a:schemeClr val="tx1">
                     <a:tint val="75000"/>
@@ -1384,9 +1391,9 @@
                 </a:solidFill>
               </a:defRPr>
             </a:lvl3pPr>
-            <a:lvl4pPr marL="1371600" indent="0">
-              <a:buNone/>
-              <a:defRPr sz="1600">
+            <a:lvl4pPr marL="931591" indent="0">
+              <a:buNone/>
+              <a:defRPr sz="1087">
                 <a:solidFill>
                   <a:schemeClr val="tx1">
                     <a:tint val="75000"/>
@@ -1394,9 +1401,9 @@
                 </a:solidFill>
               </a:defRPr>
             </a:lvl4pPr>
-            <a:lvl5pPr marL="1828800" indent="0">
-              <a:buNone/>
-              <a:defRPr sz="1600">
+            <a:lvl5pPr marL="1242121" indent="0">
+              <a:buNone/>
+              <a:defRPr sz="1087">
                 <a:solidFill>
                   <a:schemeClr val="tx1">
                     <a:tint val="75000"/>
@@ -1404,9 +1411,9 @@
                 </a:solidFill>
               </a:defRPr>
             </a:lvl5pPr>
-            <a:lvl6pPr marL="2286000" indent="0">
-              <a:buNone/>
-              <a:defRPr sz="1600">
+            <a:lvl6pPr marL="1552651" indent="0">
+              <a:buNone/>
+              <a:defRPr sz="1087">
                 <a:solidFill>
                   <a:schemeClr val="tx1">
                     <a:tint val="75000"/>
@@ -1414,9 +1421,9 @@
                 </a:solidFill>
               </a:defRPr>
             </a:lvl6pPr>
-            <a:lvl7pPr marL="2743200" indent="0">
-              <a:buNone/>
-              <a:defRPr sz="1600">
+            <a:lvl7pPr marL="1863181" indent="0">
+              <a:buNone/>
+              <a:defRPr sz="1087">
                 <a:solidFill>
                   <a:schemeClr val="tx1">
                     <a:tint val="75000"/>
@@ -1424,9 +1431,9 @@
                 </a:solidFill>
               </a:defRPr>
             </a:lvl7pPr>
-            <a:lvl8pPr marL="3200400" indent="0">
-              <a:buNone/>
-              <a:defRPr sz="1600">
+            <a:lvl8pPr marL="2173712" indent="0">
+              <a:buNone/>
+              <a:defRPr sz="1087">
                 <a:solidFill>
                   <a:schemeClr val="tx1">
                     <a:tint val="75000"/>
@@ -1434,9 +1441,9 @@
                 </a:solidFill>
               </a:defRPr>
             </a:lvl8pPr>
-            <a:lvl9pPr marL="3657600" indent="0">
-              <a:buNone/>
-              <a:defRPr sz="1600">
+            <a:lvl9pPr marL="2484242" indent="0">
+              <a:buNone/>
+              <a:defRPr sz="1087">
                 <a:solidFill>
                   <a:schemeClr val="tx1">
                     <a:tint val="75000"/>
@@ -1471,7 +1478,7 @@
           <a:p>
             <a:fld id="{BF55B197-1AA7-0642-84E6-D9C5D24F06D6}" type="datetimeFigureOut">
               <a:rPr lang="en-US" smtClean="0"/>
-              <a:t>9/6/17</a:t>
+              <a:t>3/21/18</a:t>
             </a:fld>
             <a:endParaRPr lang="en-US"/>
           </a:p>
@@ -1579,8 +1586,8 @@
         </p:nvSpPr>
         <p:spPr>
           <a:xfrm>
-            <a:off x="628650" y="1825625"/>
-            <a:ext cx="3886200" cy="4351338"/>
+            <a:off x="569278" y="1245820"/>
+            <a:ext cx="3519170" cy="2969385"/>
           </a:xfrm>
         </p:spPr>
         <p:txBody>
@@ -1636,8 +1643,8 @@
         </p:nvSpPr>
         <p:spPr>
           <a:xfrm>
-            <a:off x="4629150" y="1825625"/>
-            <a:ext cx="3886200" cy="4351338"/>
+            <a:off x="4191953" y="1245820"/>
+            <a:ext cx="3519170" cy="2969385"/>
           </a:xfrm>
         </p:spPr>
         <p:txBody>
@@ -1698,7 +1705,7 @@
           <a:p>
             <a:fld id="{BF55B197-1AA7-0642-84E6-D9C5D24F06D6}" type="datetimeFigureOut">
               <a:rPr lang="en-US" smtClean="0"/>
-              <a:t>9/6/17</a:t>
+              <a:t>3/21/18</a:t>
             </a:fld>
             <a:endParaRPr lang="en-US"/>
           </a:p>
@@ -1783,8 +1790,8 @@
         </p:nvSpPr>
         <p:spPr>
           <a:xfrm>
-            <a:off x="629841" y="365126"/>
-            <a:ext cx="7886700" cy="1325563"/>
+            <a:off x="570356" y="249164"/>
+            <a:ext cx="7141845" cy="904574"/>
           </a:xfrm>
         </p:spPr>
         <p:txBody>
@@ -1811,8 +1818,8 @@
         </p:nvSpPr>
         <p:spPr>
           <a:xfrm>
-            <a:off x="629842" y="1681163"/>
-            <a:ext cx="3868340" cy="823912"/>
+            <a:off x="570356" y="1147238"/>
+            <a:ext cx="3502997" cy="562244"/>
           </a:xfrm>
         </p:spPr>
         <p:txBody>
@@ -1820,39 +1827,39 @@
           <a:lstStyle>
             <a:lvl1pPr marL="0" indent="0">
               <a:buNone/>
-              <a:defRPr sz="2400" b="1"/>
+              <a:defRPr sz="1630" b="1"/>
             </a:lvl1pPr>
-            <a:lvl2pPr marL="457200" indent="0">
-              <a:buNone/>
-              <a:defRPr sz="2000" b="1"/>
+            <a:lvl2pPr marL="310530" indent="0">
+              <a:buNone/>
+              <a:defRPr sz="1358" b="1"/>
             </a:lvl2pPr>
-            <a:lvl3pPr marL="914400" indent="0">
-              <a:buNone/>
-              <a:defRPr sz="1800" b="1"/>
+            <a:lvl3pPr marL="621060" indent="0">
+              <a:buNone/>
+              <a:defRPr sz="1223" b="1"/>
             </a:lvl3pPr>
-            <a:lvl4pPr marL="1371600" indent="0">
-              <a:buNone/>
-              <a:defRPr sz="1600" b="1"/>
+            <a:lvl4pPr marL="931591" indent="0">
+              <a:buNone/>
+              <a:defRPr sz="1087" b="1"/>
             </a:lvl4pPr>
-            <a:lvl5pPr marL="1828800" indent="0">
-              <a:buNone/>
-              <a:defRPr sz="1600" b="1"/>
+            <a:lvl5pPr marL="1242121" indent="0">
+              <a:buNone/>
+              <a:defRPr sz="1087" b="1"/>
             </a:lvl5pPr>
-            <a:lvl6pPr marL="2286000" indent="0">
-              <a:buNone/>
-              <a:defRPr sz="1600" b="1"/>
+            <a:lvl6pPr marL="1552651" indent="0">
+              <a:buNone/>
+              <a:defRPr sz="1087" b="1"/>
             </a:lvl6pPr>
-            <a:lvl7pPr marL="2743200" indent="0">
-              <a:buNone/>
-              <a:defRPr sz="1600" b="1"/>
+            <a:lvl7pPr marL="1863181" indent="0">
+              <a:buNone/>
+              <a:defRPr sz="1087" b="1"/>
             </a:lvl7pPr>
-            <a:lvl8pPr marL="3200400" indent="0">
-              <a:buNone/>
-              <a:defRPr sz="1600" b="1"/>
+            <a:lvl8pPr marL="2173712" indent="0">
+              <a:buNone/>
+              <a:defRPr sz="1087" b="1"/>
             </a:lvl8pPr>
-            <a:lvl9pPr marL="3657600" indent="0">
-              <a:buNone/>
-              <a:defRPr sz="1600" b="1"/>
+            <a:lvl9pPr marL="2484242" indent="0">
+              <a:buNone/>
+              <a:defRPr sz="1087" b="1"/>
             </a:lvl9pPr>
           </a:lstStyle>
           <a:p>
@@ -1876,8 +1883,8 @@
         </p:nvSpPr>
         <p:spPr>
           <a:xfrm>
-            <a:off x="629842" y="2505075"/>
-            <a:ext cx="3868340" cy="3684588"/>
+            <a:off x="570356" y="1709482"/>
+            <a:ext cx="3502997" cy="2514390"/>
           </a:xfrm>
         </p:spPr>
         <p:txBody>
@@ -1933,8 +1940,8 @@
         </p:nvSpPr>
         <p:spPr>
           <a:xfrm>
-            <a:off x="4629150" y="1681163"/>
-            <a:ext cx="3887391" cy="823912"/>
+            <a:off x="4191952" y="1147238"/>
+            <a:ext cx="3520249" cy="562244"/>
           </a:xfrm>
         </p:spPr>
         <p:txBody>
@@ -1942,39 +1949,39 @@
           <a:lstStyle>
             <a:lvl1pPr marL="0" indent="0">
               <a:buNone/>
-              <a:defRPr sz="2400" b="1"/>
+              <a:defRPr sz="1630" b="1"/>
             </a:lvl1pPr>
-            <a:lvl2pPr marL="457200" indent="0">
-              <a:buNone/>
-              <a:defRPr sz="2000" b="1"/>
+            <a:lvl2pPr marL="310530" indent="0">
+              <a:buNone/>
+              <a:defRPr sz="1358" b="1"/>
             </a:lvl2pPr>
-            <a:lvl3pPr marL="914400" indent="0">
-              <a:buNone/>
-              <a:defRPr sz="1800" b="1"/>
+            <a:lvl3pPr marL="621060" indent="0">
+              <a:buNone/>
+              <a:defRPr sz="1223" b="1"/>
             </a:lvl3pPr>
-            <a:lvl4pPr marL="1371600" indent="0">
-              <a:buNone/>
-              <a:defRPr sz="1600" b="1"/>
+            <a:lvl4pPr marL="931591" indent="0">
+              <a:buNone/>
+              <a:defRPr sz="1087" b="1"/>
             </a:lvl4pPr>
-            <a:lvl5pPr marL="1828800" indent="0">
-              <a:buNone/>
-              <a:defRPr sz="1600" b="1"/>
+            <a:lvl5pPr marL="1242121" indent="0">
+              <a:buNone/>
+              <a:defRPr sz="1087" b="1"/>
             </a:lvl5pPr>
-            <a:lvl6pPr marL="2286000" indent="0">
-              <a:buNone/>
-              <a:defRPr sz="1600" b="1"/>
+            <a:lvl6pPr marL="1552651" indent="0">
+              <a:buNone/>
+              <a:defRPr sz="1087" b="1"/>
             </a:lvl6pPr>
-            <a:lvl7pPr marL="2743200" indent="0">
-              <a:buNone/>
-              <a:defRPr sz="1600" b="1"/>
+            <a:lvl7pPr marL="1863181" indent="0">
+              <a:buNone/>
+              <a:defRPr sz="1087" b="1"/>
             </a:lvl7pPr>
-            <a:lvl8pPr marL="3200400" indent="0">
-              <a:buNone/>
-              <a:defRPr sz="1600" b="1"/>
+            <a:lvl8pPr marL="2173712" indent="0">
+              <a:buNone/>
+              <a:defRPr sz="1087" b="1"/>
             </a:lvl8pPr>
-            <a:lvl9pPr marL="3657600" indent="0">
-              <a:buNone/>
-              <a:defRPr sz="1600" b="1"/>
+            <a:lvl9pPr marL="2484242" indent="0">
+              <a:buNone/>
+              <a:defRPr sz="1087" b="1"/>
             </a:lvl9pPr>
           </a:lstStyle>
           <a:p>
@@ -1998,8 +2005,8 @@
         </p:nvSpPr>
         <p:spPr>
           <a:xfrm>
-            <a:off x="4629150" y="2505075"/>
-            <a:ext cx="3887391" cy="3684588"/>
+            <a:off x="4191952" y="1709482"/>
+            <a:ext cx="3520249" cy="2514390"/>
           </a:xfrm>
         </p:spPr>
         <p:txBody>
@@ -2060,7 +2067,7 @@
           <a:p>
             <a:fld id="{BF55B197-1AA7-0642-84E6-D9C5D24F06D6}" type="datetimeFigureOut">
               <a:rPr lang="en-US" smtClean="0"/>
-              <a:t>9/6/17</a:t>
+              <a:t>3/21/18</a:t>
             </a:fld>
             <a:endParaRPr lang="en-US"/>
           </a:p>
@@ -2173,7 +2180,7 @@
           <a:p>
             <a:fld id="{BF55B197-1AA7-0642-84E6-D9C5D24F06D6}" type="datetimeFigureOut">
               <a:rPr lang="en-US" smtClean="0"/>
-              <a:t>9/6/17</a:t>
+              <a:t>3/21/18</a:t>
             </a:fld>
             <a:endParaRPr lang="en-US"/>
           </a:p>
@@ -2263,7 +2270,7 @@
           <a:p>
             <a:fld id="{BF55B197-1AA7-0642-84E6-D9C5D24F06D6}" type="datetimeFigureOut">
               <a:rPr lang="en-US" smtClean="0"/>
-              <a:t>9/6/17</a:t>
+              <a:t>3/21/18</a:t>
             </a:fld>
             <a:endParaRPr lang="en-US"/>
           </a:p>
@@ -2348,15 +2355,15 @@
         </p:nvSpPr>
         <p:spPr>
           <a:xfrm>
-            <a:off x="629841" y="457200"/>
-            <a:ext cx="2949178" cy="1600200"/>
+            <a:off x="570357" y="311997"/>
+            <a:ext cx="2670644" cy="1091988"/>
           </a:xfrm>
         </p:spPr>
         <p:txBody>
           <a:bodyPr anchor="b"/>
           <a:lstStyle>
             <a:lvl1pPr>
-              <a:defRPr sz="3200"/>
+              <a:defRPr sz="2173"/>
             </a:lvl1pPr>
           </a:lstStyle>
           <a:p>
@@ -2380,39 +2387,39 @@
         </p:nvSpPr>
         <p:spPr>
           <a:xfrm>
-            <a:off x="3887391" y="987426"/>
-            <a:ext cx="4629150" cy="4873625"/>
+            <a:off x="3520248" y="673826"/>
+            <a:ext cx="4191953" cy="3325798"/>
           </a:xfrm>
         </p:spPr>
         <p:txBody>
           <a:bodyPr/>
           <a:lstStyle>
             <a:lvl1pPr>
-              <a:defRPr sz="3200"/>
+              <a:defRPr sz="2173"/>
             </a:lvl1pPr>
             <a:lvl2pPr>
-              <a:defRPr sz="2800"/>
+              <a:defRPr sz="1902"/>
             </a:lvl2pPr>
             <a:lvl3pPr>
-              <a:defRPr sz="2400"/>
+              <a:defRPr sz="1630"/>
             </a:lvl3pPr>
             <a:lvl4pPr>
-              <a:defRPr sz="2000"/>
+              <a:defRPr sz="1358"/>
             </a:lvl4pPr>
             <a:lvl5pPr>
-              <a:defRPr sz="2000"/>
+              <a:defRPr sz="1358"/>
             </a:lvl5pPr>
             <a:lvl6pPr>
-              <a:defRPr sz="2000"/>
+              <a:defRPr sz="1358"/>
             </a:lvl6pPr>
             <a:lvl7pPr>
-              <a:defRPr sz="2000"/>
+              <a:defRPr sz="1358"/>
             </a:lvl7pPr>
             <a:lvl8pPr>
-              <a:defRPr sz="2000"/>
+              <a:defRPr sz="1358"/>
             </a:lvl8pPr>
             <a:lvl9pPr>
-              <a:defRPr sz="2000"/>
+              <a:defRPr sz="1358"/>
             </a:lvl9pPr>
           </a:lstStyle>
           <a:p>
@@ -2465,8 +2472,8 @@
         </p:nvSpPr>
         <p:spPr>
           <a:xfrm>
-            <a:off x="629841" y="2057400"/>
-            <a:ext cx="2949178" cy="3811588"/>
+            <a:off x="570357" y="1403985"/>
+            <a:ext cx="2670644" cy="2601056"/>
           </a:xfrm>
         </p:spPr>
         <p:txBody>
@@ -2474,39 +2481,39 @@
           <a:lstStyle>
             <a:lvl1pPr marL="0" indent="0">
               <a:buNone/>
-              <a:defRPr sz="1600"/>
+              <a:defRPr sz="1087"/>
             </a:lvl1pPr>
-            <a:lvl2pPr marL="457200" indent="0">
-              <a:buNone/>
-              <a:defRPr sz="1400"/>
+            <a:lvl2pPr marL="310530" indent="0">
+              <a:buNone/>
+              <a:defRPr sz="951"/>
             </a:lvl2pPr>
-            <a:lvl3pPr marL="914400" indent="0">
-              <a:buNone/>
-              <a:defRPr sz="1200"/>
+            <a:lvl3pPr marL="621060" indent="0">
+              <a:buNone/>
+              <a:defRPr sz="815"/>
             </a:lvl3pPr>
-            <a:lvl4pPr marL="1371600" indent="0">
-              <a:buNone/>
-              <a:defRPr sz="1000"/>
+            <a:lvl4pPr marL="931591" indent="0">
+              <a:buNone/>
+              <a:defRPr sz="679"/>
             </a:lvl4pPr>
-            <a:lvl5pPr marL="1828800" indent="0">
-              <a:buNone/>
-              <a:defRPr sz="1000"/>
+            <a:lvl5pPr marL="1242121" indent="0">
+              <a:buNone/>
+              <a:defRPr sz="679"/>
             </a:lvl5pPr>
-            <a:lvl6pPr marL="2286000" indent="0">
-              <a:buNone/>
-              <a:defRPr sz="1000"/>
+            <a:lvl6pPr marL="1552651" indent="0">
+              <a:buNone/>
+              <a:defRPr sz="679"/>
             </a:lvl6pPr>
-            <a:lvl7pPr marL="2743200" indent="0">
-              <a:buNone/>
-              <a:defRPr sz="1000"/>
+            <a:lvl7pPr marL="1863181" indent="0">
+              <a:buNone/>
+              <a:defRPr sz="679"/>
             </a:lvl7pPr>
-            <a:lvl8pPr marL="3200400" indent="0">
-              <a:buNone/>
-              <a:defRPr sz="1000"/>
+            <a:lvl8pPr marL="2173712" indent="0">
+              <a:buNone/>
+              <a:defRPr sz="679"/>
             </a:lvl8pPr>
-            <a:lvl9pPr marL="3657600" indent="0">
-              <a:buNone/>
-              <a:defRPr sz="1000"/>
+            <a:lvl9pPr marL="2484242" indent="0">
+              <a:buNone/>
+              <a:defRPr sz="679"/>
             </a:lvl9pPr>
           </a:lstStyle>
           <a:p>
@@ -2535,7 +2542,7 @@
           <a:p>
             <a:fld id="{BF55B197-1AA7-0642-84E6-D9C5D24F06D6}" type="datetimeFigureOut">
               <a:rPr lang="en-US" smtClean="0"/>
-              <a:t>9/6/17</a:t>
+              <a:t>3/21/18</a:t>
             </a:fld>
             <a:endParaRPr lang="en-US"/>
           </a:p>
@@ -2620,15 +2627,15 @@
         </p:nvSpPr>
         <p:spPr>
           <a:xfrm>
-            <a:off x="629841" y="457200"/>
-            <a:ext cx="2949178" cy="1600200"/>
+            <a:off x="570357" y="311997"/>
+            <a:ext cx="2670644" cy="1091988"/>
           </a:xfrm>
         </p:spPr>
         <p:txBody>
           <a:bodyPr anchor="b"/>
           <a:lstStyle>
             <a:lvl1pPr>
-              <a:defRPr sz="3200"/>
+              <a:defRPr sz="2173"/>
             </a:lvl1pPr>
           </a:lstStyle>
           <a:p>
@@ -2652,8 +2659,8 @@
         </p:nvSpPr>
         <p:spPr>
           <a:xfrm>
-            <a:off x="3887391" y="987426"/>
-            <a:ext cx="4629150" cy="4873625"/>
+            <a:off x="3520248" y="673826"/>
+            <a:ext cx="4191953" cy="3325798"/>
           </a:xfrm>
         </p:spPr>
         <p:txBody>
@@ -2661,39 +2668,39 @@
           <a:lstStyle>
             <a:lvl1pPr marL="0" indent="0">
               <a:buNone/>
-              <a:defRPr sz="3200"/>
+              <a:defRPr sz="2173"/>
             </a:lvl1pPr>
-            <a:lvl2pPr marL="457200" indent="0">
-              <a:buNone/>
-              <a:defRPr sz="2800"/>
+            <a:lvl2pPr marL="310530" indent="0">
+              <a:buNone/>
+              <a:defRPr sz="1902"/>
             </a:lvl2pPr>
-            <a:lvl3pPr marL="914400" indent="0">
-              <a:buNone/>
-              <a:defRPr sz="2400"/>
+            <a:lvl3pPr marL="621060" indent="0">
+              <a:buNone/>
+              <a:defRPr sz="1630"/>
             </a:lvl3pPr>
-            <a:lvl4pPr marL="1371600" indent="0">
-              <a:buNone/>
-              <a:defRPr sz="2000"/>
+            <a:lvl4pPr marL="931591" indent="0">
+              <a:buNone/>
+              <a:defRPr sz="1358"/>
             </a:lvl4pPr>
-            <a:lvl5pPr marL="1828800" indent="0">
-              <a:buNone/>
-              <a:defRPr sz="2000"/>
+            <a:lvl5pPr marL="1242121" indent="0">
+              <a:buNone/>
+              <a:defRPr sz="1358"/>
             </a:lvl5pPr>
-            <a:lvl6pPr marL="2286000" indent="0">
-              <a:buNone/>
-              <a:defRPr sz="2000"/>
+            <a:lvl6pPr marL="1552651" indent="0">
+              <a:buNone/>
+              <a:defRPr sz="1358"/>
             </a:lvl6pPr>
-            <a:lvl7pPr marL="2743200" indent="0">
-              <a:buNone/>
-              <a:defRPr sz="2000"/>
+            <a:lvl7pPr marL="1863181" indent="0">
+              <a:buNone/>
+              <a:defRPr sz="1358"/>
             </a:lvl7pPr>
-            <a:lvl8pPr marL="3200400" indent="0">
-              <a:buNone/>
-              <a:defRPr sz="2000"/>
+            <a:lvl8pPr marL="2173712" indent="0">
+              <a:buNone/>
+              <a:defRPr sz="1358"/>
             </a:lvl8pPr>
-            <a:lvl9pPr marL="3657600" indent="0">
-              <a:buNone/>
-              <a:defRPr sz="2000"/>
+            <a:lvl9pPr marL="2484242" indent="0">
+              <a:buNone/>
+              <a:defRPr sz="1358"/>
             </a:lvl9pPr>
           </a:lstStyle>
           <a:p>
@@ -2717,8 +2724,8 @@
         </p:nvSpPr>
         <p:spPr>
           <a:xfrm>
-            <a:off x="629841" y="2057400"/>
-            <a:ext cx="2949178" cy="3811588"/>
+            <a:off x="570357" y="1403985"/>
+            <a:ext cx="2670644" cy="2601056"/>
           </a:xfrm>
         </p:spPr>
         <p:txBody>
@@ -2726,39 +2733,39 @@
           <a:lstStyle>
             <a:lvl1pPr marL="0" indent="0">
               <a:buNone/>
-              <a:defRPr sz="1600"/>
+              <a:defRPr sz="1087"/>
             </a:lvl1pPr>
-            <a:lvl2pPr marL="457200" indent="0">
-              <a:buNone/>
-              <a:defRPr sz="1400"/>
+            <a:lvl2pPr marL="310530" indent="0">
+              <a:buNone/>
+              <a:defRPr sz="951"/>
             </a:lvl2pPr>
-            <a:lvl3pPr marL="914400" indent="0">
-              <a:buNone/>
-              <a:defRPr sz="1200"/>
+            <a:lvl3pPr marL="621060" indent="0">
+              <a:buNone/>
+              <a:defRPr sz="815"/>
             </a:lvl3pPr>
-            <a:lvl4pPr marL="1371600" indent="0">
-              <a:buNone/>
-              <a:defRPr sz="1000"/>
+            <a:lvl4pPr marL="931591" indent="0">
+              <a:buNone/>
+              <a:defRPr sz="679"/>
             </a:lvl4pPr>
-            <a:lvl5pPr marL="1828800" indent="0">
-              <a:buNone/>
-              <a:defRPr sz="1000"/>
+            <a:lvl5pPr marL="1242121" indent="0">
+              <a:buNone/>
+              <a:defRPr sz="679"/>
             </a:lvl5pPr>
-            <a:lvl6pPr marL="2286000" indent="0">
-              <a:buNone/>
-              <a:defRPr sz="1000"/>
+            <a:lvl6pPr marL="1552651" indent="0">
+              <a:buNone/>
+              <a:defRPr sz="679"/>
             </a:lvl6pPr>
-            <a:lvl7pPr marL="2743200" indent="0">
-              <a:buNone/>
-              <a:defRPr sz="1000"/>
+            <a:lvl7pPr marL="1863181" indent="0">
+              <a:buNone/>
+              <a:defRPr sz="679"/>
             </a:lvl7pPr>
-            <a:lvl8pPr marL="3200400" indent="0">
-              <a:buNone/>
-              <a:defRPr sz="1000"/>
+            <a:lvl8pPr marL="2173712" indent="0">
+              <a:buNone/>
+              <a:defRPr sz="679"/>
             </a:lvl8pPr>
-            <a:lvl9pPr marL="3657600" indent="0">
-              <a:buNone/>
-              <a:defRPr sz="1000"/>
+            <a:lvl9pPr marL="2484242" indent="0">
+              <a:buNone/>
+              <a:defRPr sz="679"/>
             </a:lvl9pPr>
           </a:lstStyle>
           <a:p>
@@ -2787,7 +2794,7 @@
           <a:p>
             <a:fld id="{BF55B197-1AA7-0642-84E6-D9C5D24F06D6}" type="datetimeFigureOut">
               <a:rPr lang="en-US" smtClean="0"/>
-              <a:t>9/6/17</a:t>
+              <a:t>3/21/18</a:t>
             </a:fld>
             <a:endParaRPr lang="en-US"/>
           </a:p>
@@ -2877,8 +2884,8 @@
         </p:nvSpPr>
         <p:spPr>
           <a:xfrm>
-            <a:off x="628650" y="365126"/>
-            <a:ext cx="7886700" cy="1325563"/>
+            <a:off x="569278" y="249164"/>
+            <a:ext cx="7141845" cy="904574"/>
           </a:xfrm>
           <a:prstGeom prst="rect">
             <a:avLst/>
@@ -2910,8 +2917,8 @@
         </p:nvSpPr>
         <p:spPr>
           <a:xfrm>
-            <a:off x="628650" y="1825625"/>
-            <a:ext cx="7886700" cy="4351338"/>
+            <a:off x="569278" y="1245820"/>
+            <a:ext cx="7141845" cy="2969385"/>
           </a:xfrm>
           <a:prstGeom prst="rect">
             <a:avLst/>
@@ -2972,8 +2979,8 @@
         </p:nvSpPr>
         <p:spPr>
           <a:xfrm>
-            <a:off x="628650" y="6356351"/>
-            <a:ext cx="2057400" cy="365125"/>
+            <a:off x="569278" y="4337621"/>
+            <a:ext cx="1863090" cy="249164"/>
           </a:xfrm>
           <a:prstGeom prst="rect">
             <a:avLst/>
@@ -2983,7 +2990,7 @@
           <a:bodyPr vert="horz" lIns="91440" tIns="45720" rIns="91440" bIns="45720" rtlCol="0" anchor="ctr"/>
           <a:lstStyle>
             <a:lvl1pPr algn="l">
-              <a:defRPr sz="1200">
+              <a:defRPr sz="815">
                 <a:solidFill>
                   <a:schemeClr val="tx1">
                     <a:tint val="75000"/>
@@ -2995,7 +3002,7 @@
           <a:p>
             <a:fld id="{BF55B197-1AA7-0642-84E6-D9C5D24F06D6}" type="datetimeFigureOut">
               <a:rPr lang="en-US" smtClean="0"/>
-              <a:t>9/6/17</a:t>
+              <a:t>3/21/18</a:t>
             </a:fld>
             <a:endParaRPr lang="en-US"/>
           </a:p>
@@ -3013,8 +3020,8 @@
         </p:nvSpPr>
         <p:spPr>
           <a:xfrm>
-            <a:off x="3028950" y="6356351"/>
-            <a:ext cx="3086100" cy="365125"/>
+            <a:off x="2742883" y="4337621"/>
+            <a:ext cx="2794635" cy="249164"/>
           </a:xfrm>
           <a:prstGeom prst="rect">
             <a:avLst/>
@@ -3024,7 +3031,7 @@
           <a:bodyPr vert="horz" lIns="91440" tIns="45720" rIns="91440" bIns="45720" rtlCol="0" anchor="ctr"/>
           <a:lstStyle>
             <a:lvl1pPr algn="ctr">
-              <a:defRPr sz="1200">
+              <a:defRPr sz="815">
                 <a:solidFill>
                   <a:schemeClr val="tx1">
                     <a:tint val="75000"/>
@@ -3050,8 +3057,8 @@
         </p:nvSpPr>
         <p:spPr>
           <a:xfrm>
-            <a:off x="6457950" y="6356351"/>
-            <a:ext cx="2057400" cy="365125"/>
+            <a:off x="5848033" y="4337621"/>
+            <a:ext cx="1863090" cy="249164"/>
           </a:xfrm>
           <a:prstGeom prst="rect">
             <a:avLst/>
@@ -3061,7 +3068,7 @@
           <a:bodyPr vert="horz" lIns="91440" tIns="45720" rIns="91440" bIns="45720" rtlCol="0" anchor="ctr"/>
           <a:lstStyle>
             <a:lvl1pPr algn="r">
-              <a:defRPr sz="1200">
+              <a:defRPr sz="815">
                 <a:solidFill>
                   <a:schemeClr val="tx1">
                     <a:tint val="75000"/>
@@ -3082,27 +3089,27 @@
     </p:spTree>
     <p:extLst>
       <p:ext uri="{BB962C8B-B14F-4D97-AF65-F5344CB8AC3E}">
-        <p14:creationId xmlns:p14="http://schemas.microsoft.com/office/powerpoint/2010/main" val="113651648"/>
+        <p14:creationId xmlns:p14="http://schemas.microsoft.com/office/powerpoint/2010/main" val="956795537"/>
       </p:ext>
     </p:extLst>
   </p:cSld>
   <p:clrMap bg1="lt1" tx1="dk1" bg2="lt2" tx2="dk2" accent1="accent1" accent2="accent2" accent3="accent3" accent4="accent4" accent5="accent5" accent6="accent6" hlink="hlink" folHlink="folHlink"/>
   <p:sldLayoutIdLst>
-    <p:sldLayoutId id="2147483661" r:id="rId1"/>
-    <p:sldLayoutId id="2147483662" r:id="rId2"/>
-    <p:sldLayoutId id="2147483663" r:id="rId3"/>
-    <p:sldLayoutId id="2147483664" r:id="rId4"/>
-    <p:sldLayoutId id="2147483665" r:id="rId5"/>
-    <p:sldLayoutId id="2147483666" r:id="rId6"/>
-    <p:sldLayoutId id="2147483667" r:id="rId7"/>
-    <p:sldLayoutId id="2147483668" r:id="rId8"/>
-    <p:sldLayoutId id="2147483669" r:id="rId9"/>
-    <p:sldLayoutId id="2147483670" r:id="rId10"/>
-    <p:sldLayoutId id="2147483671" r:id="rId11"/>
+    <p:sldLayoutId id="2147483697" r:id="rId1"/>
+    <p:sldLayoutId id="2147483698" r:id="rId2"/>
+    <p:sldLayoutId id="2147483699" r:id="rId3"/>
+    <p:sldLayoutId id="2147483700" r:id="rId4"/>
+    <p:sldLayoutId id="2147483701" r:id="rId5"/>
+    <p:sldLayoutId id="2147483702" r:id="rId6"/>
+    <p:sldLayoutId id="2147483703" r:id="rId7"/>
+    <p:sldLayoutId id="2147483704" r:id="rId8"/>
+    <p:sldLayoutId id="2147483705" r:id="rId9"/>
+    <p:sldLayoutId id="2147483706" r:id="rId10"/>
+    <p:sldLayoutId id="2147483707" r:id="rId11"/>
   </p:sldLayoutIdLst>
   <p:txStyles>
     <p:titleStyle>
-      <a:lvl1pPr algn="l" defTabSz="914400" rtl="0" eaLnBrk="1" latinLnBrk="0" hangingPunct="1">
+      <a:lvl1pPr algn="l" defTabSz="621060" rtl="0" eaLnBrk="1" latinLnBrk="0" hangingPunct="1">
         <a:lnSpc>
           <a:spcPct val="90000"/>
         </a:lnSpc>
@@ -3110,7 +3117,7 @@
           <a:spcPct val="0"/>
         </a:spcBef>
         <a:buNone/>
-        <a:defRPr sz="4400" kern="1200">
+        <a:defRPr sz="2988" kern="1200">
           <a:solidFill>
             <a:schemeClr val="tx1"/>
           </a:solidFill>
@@ -3121,16 +3128,16 @@
       </a:lvl1pPr>
     </p:titleStyle>
     <p:bodyStyle>
-      <a:lvl1pPr marL="228600" indent="-228600" algn="l" defTabSz="914400" rtl="0" eaLnBrk="1" latinLnBrk="0" hangingPunct="1">
+      <a:lvl1pPr marL="155265" indent="-155265" algn="l" defTabSz="621060" rtl="0" eaLnBrk="1" latinLnBrk="0" hangingPunct="1">
         <a:lnSpc>
           <a:spcPct val="90000"/>
         </a:lnSpc>
         <a:spcBef>
-          <a:spcPts val="1000"/>
+          <a:spcPts val="679"/>
         </a:spcBef>
         <a:buFont typeface="Arial" panose="020B0604020202020204" pitchFamily="34" charset="0"/>
         <a:buChar char="•"/>
-        <a:defRPr sz="2800" kern="1200">
+        <a:defRPr sz="1902" kern="1200">
           <a:solidFill>
             <a:schemeClr val="tx1"/>
           </a:solidFill>
@@ -3139,16 +3146,16 @@
           <a:cs typeface="+mn-cs"/>
         </a:defRPr>
       </a:lvl1pPr>
-      <a:lvl2pPr marL="685800" indent="-228600" algn="l" defTabSz="914400" rtl="0" eaLnBrk="1" latinLnBrk="0" hangingPunct="1">
+      <a:lvl2pPr marL="465795" indent="-155265" algn="l" defTabSz="621060" rtl="0" eaLnBrk="1" latinLnBrk="0" hangingPunct="1">
         <a:lnSpc>
           <a:spcPct val="90000"/>
         </a:lnSpc>
         <a:spcBef>
-          <a:spcPts val="500"/>
+          <a:spcPts val="340"/>
         </a:spcBef>
         <a:buFont typeface="Arial" panose="020B0604020202020204" pitchFamily="34" charset="0"/>
         <a:buChar char="•"/>
-        <a:defRPr sz="2400" kern="1200">
+        <a:defRPr sz="1630" kern="1200">
           <a:solidFill>
             <a:schemeClr val="tx1"/>
           </a:solidFill>
@@ -3157,16 +3164,16 @@
           <a:cs typeface="+mn-cs"/>
         </a:defRPr>
       </a:lvl2pPr>
-      <a:lvl3pPr marL="1143000" indent="-228600" algn="l" defTabSz="914400" rtl="0" eaLnBrk="1" latinLnBrk="0" hangingPunct="1">
+      <a:lvl3pPr marL="776326" indent="-155265" algn="l" defTabSz="621060" rtl="0" eaLnBrk="1" latinLnBrk="0" hangingPunct="1">
         <a:lnSpc>
           <a:spcPct val="90000"/>
         </a:lnSpc>
         <a:spcBef>
-          <a:spcPts val="500"/>
+          <a:spcPts val="340"/>
         </a:spcBef>
         <a:buFont typeface="Arial" panose="020B0604020202020204" pitchFamily="34" charset="0"/>
         <a:buChar char="•"/>
-        <a:defRPr sz="2000" kern="1200">
+        <a:defRPr sz="1358" kern="1200">
           <a:solidFill>
             <a:schemeClr val="tx1"/>
           </a:solidFill>
@@ -3175,16 +3182,16 @@
           <a:cs typeface="+mn-cs"/>
         </a:defRPr>
       </a:lvl3pPr>
-      <a:lvl4pPr marL="1600200" indent="-228600" algn="l" defTabSz="914400" rtl="0" eaLnBrk="1" latinLnBrk="0" hangingPunct="1">
+      <a:lvl4pPr marL="1086856" indent="-155265" algn="l" defTabSz="621060" rtl="0" eaLnBrk="1" latinLnBrk="0" hangingPunct="1">
         <a:lnSpc>
           <a:spcPct val="90000"/>
         </a:lnSpc>
         <a:spcBef>
-          <a:spcPts val="500"/>
+          <a:spcPts val="340"/>
         </a:spcBef>
         <a:buFont typeface="Arial" panose="020B0604020202020204" pitchFamily="34" charset="0"/>
         <a:buChar char="•"/>
-        <a:defRPr sz="1800" kern="1200">
+        <a:defRPr sz="1223" kern="1200">
           <a:solidFill>
             <a:schemeClr val="tx1"/>
           </a:solidFill>
@@ -3193,16 +3200,16 @@
           <a:cs typeface="+mn-cs"/>
         </a:defRPr>
       </a:lvl4pPr>
-      <a:lvl5pPr marL="2057400" indent="-228600" algn="l" defTabSz="914400" rtl="0" eaLnBrk="1" latinLnBrk="0" hangingPunct="1">
+      <a:lvl5pPr marL="1397386" indent="-155265" algn="l" defTabSz="621060" rtl="0" eaLnBrk="1" latinLnBrk="0" hangingPunct="1">
         <a:lnSpc>
           <a:spcPct val="90000"/>
         </a:lnSpc>
         <a:spcBef>
-          <a:spcPts val="500"/>
+          <a:spcPts val="340"/>
         </a:spcBef>
         <a:buFont typeface="Arial" panose="020B0604020202020204" pitchFamily="34" charset="0"/>
         <a:buChar char="•"/>
-        <a:defRPr sz="1800" kern="1200">
+        <a:defRPr sz="1223" kern="1200">
           <a:solidFill>
             <a:schemeClr val="tx1"/>
           </a:solidFill>
@@ -3211,16 +3218,16 @@
           <a:cs typeface="+mn-cs"/>
         </a:defRPr>
       </a:lvl5pPr>
-      <a:lvl6pPr marL="2514600" indent="-228600" algn="l" defTabSz="914400" rtl="0" eaLnBrk="1" latinLnBrk="0" hangingPunct="1">
+      <a:lvl6pPr marL="1707916" indent="-155265" algn="l" defTabSz="621060" rtl="0" eaLnBrk="1" latinLnBrk="0" hangingPunct="1">
         <a:lnSpc>
           <a:spcPct val="90000"/>
         </a:lnSpc>
         <a:spcBef>
-          <a:spcPts val="500"/>
+          <a:spcPts val="340"/>
         </a:spcBef>
         <a:buFont typeface="Arial" panose="020B0604020202020204" pitchFamily="34" charset="0"/>
         <a:buChar char="•"/>
-        <a:defRPr sz="1800" kern="1200">
+        <a:defRPr sz="1223" kern="1200">
           <a:solidFill>
             <a:schemeClr val="tx1"/>
           </a:solidFill>
@@ -3229,16 +3236,16 @@
           <a:cs typeface="+mn-cs"/>
         </a:defRPr>
       </a:lvl6pPr>
-      <a:lvl7pPr marL="2971800" indent="-228600" algn="l" defTabSz="914400" rtl="0" eaLnBrk="1" latinLnBrk="0" hangingPunct="1">
+      <a:lvl7pPr marL="2018447" indent="-155265" algn="l" defTabSz="621060" rtl="0" eaLnBrk="1" latinLnBrk="0" hangingPunct="1">
         <a:lnSpc>
           <a:spcPct val="90000"/>
         </a:lnSpc>
         <a:spcBef>
-          <a:spcPts val="500"/>
+          <a:spcPts val="340"/>
         </a:spcBef>
         <a:buFont typeface="Arial" panose="020B0604020202020204" pitchFamily="34" charset="0"/>
         <a:buChar char="•"/>
-        <a:defRPr sz="1800" kern="1200">
+        <a:defRPr sz="1223" kern="1200">
           <a:solidFill>
             <a:schemeClr val="tx1"/>
           </a:solidFill>
@@ -3247,16 +3254,16 @@
           <a:cs typeface="+mn-cs"/>
         </a:defRPr>
       </a:lvl7pPr>
-      <a:lvl8pPr marL="3429000" indent="-228600" algn="l" defTabSz="914400" rtl="0" eaLnBrk="1" latinLnBrk="0" hangingPunct="1">
+      <a:lvl8pPr marL="2328977" indent="-155265" algn="l" defTabSz="621060" rtl="0" eaLnBrk="1" latinLnBrk="0" hangingPunct="1">
         <a:lnSpc>
           <a:spcPct val="90000"/>
         </a:lnSpc>
         <a:spcBef>
-          <a:spcPts val="500"/>
+          <a:spcPts val="340"/>
         </a:spcBef>
         <a:buFont typeface="Arial" panose="020B0604020202020204" pitchFamily="34" charset="0"/>
         <a:buChar char="•"/>
-        <a:defRPr sz="1800" kern="1200">
+        <a:defRPr sz="1223" kern="1200">
           <a:solidFill>
             <a:schemeClr val="tx1"/>
           </a:solidFill>
@@ -3265,16 +3272,16 @@
           <a:cs typeface="+mn-cs"/>
         </a:defRPr>
       </a:lvl8pPr>
-      <a:lvl9pPr marL="3886200" indent="-228600" algn="l" defTabSz="914400" rtl="0" eaLnBrk="1" latinLnBrk="0" hangingPunct="1">
+      <a:lvl9pPr marL="2639507" indent="-155265" algn="l" defTabSz="621060" rtl="0" eaLnBrk="1" latinLnBrk="0" hangingPunct="1">
         <a:lnSpc>
           <a:spcPct val="90000"/>
         </a:lnSpc>
         <a:spcBef>
-          <a:spcPts val="500"/>
+          <a:spcPts val="340"/>
         </a:spcBef>
         <a:buFont typeface="Arial" panose="020B0604020202020204" pitchFamily="34" charset="0"/>
         <a:buChar char="•"/>
-        <a:defRPr sz="1800" kern="1200">
+        <a:defRPr sz="1223" kern="1200">
           <a:solidFill>
             <a:schemeClr val="tx1"/>
           </a:solidFill>
@@ -3288,8 +3295,8 @@
       <a:defPPr>
         <a:defRPr lang="en-US"/>
       </a:defPPr>
-      <a:lvl1pPr marL="0" algn="l" defTabSz="914400" rtl="0" eaLnBrk="1" latinLnBrk="0" hangingPunct="1">
-        <a:defRPr sz="1800" kern="1200">
+      <a:lvl1pPr marL="0" algn="l" defTabSz="621060" rtl="0" eaLnBrk="1" latinLnBrk="0" hangingPunct="1">
+        <a:defRPr sz="1223" kern="1200">
           <a:solidFill>
             <a:schemeClr val="tx1"/>
           </a:solidFill>
@@ -3298,8 +3305,8 @@
           <a:cs typeface="+mn-cs"/>
         </a:defRPr>
       </a:lvl1pPr>
-      <a:lvl2pPr marL="457200" algn="l" defTabSz="914400" rtl="0" eaLnBrk="1" latinLnBrk="0" hangingPunct="1">
-        <a:defRPr sz="1800" kern="1200">
+      <a:lvl2pPr marL="310530" algn="l" defTabSz="621060" rtl="0" eaLnBrk="1" latinLnBrk="0" hangingPunct="1">
+        <a:defRPr sz="1223" kern="1200">
           <a:solidFill>
             <a:schemeClr val="tx1"/>
           </a:solidFill>
@@ -3308,8 +3315,8 @@
           <a:cs typeface="+mn-cs"/>
         </a:defRPr>
       </a:lvl2pPr>
-      <a:lvl3pPr marL="914400" algn="l" defTabSz="914400" rtl="0" eaLnBrk="1" latinLnBrk="0" hangingPunct="1">
-        <a:defRPr sz="1800" kern="1200">
+      <a:lvl3pPr marL="621060" algn="l" defTabSz="621060" rtl="0" eaLnBrk="1" latinLnBrk="0" hangingPunct="1">
+        <a:defRPr sz="1223" kern="1200">
           <a:solidFill>
             <a:schemeClr val="tx1"/>
           </a:solidFill>
@@ -3318,8 +3325,8 @@
           <a:cs typeface="+mn-cs"/>
         </a:defRPr>
       </a:lvl3pPr>
-      <a:lvl4pPr marL="1371600" algn="l" defTabSz="914400" rtl="0" eaLnBrk="1" latinLnBrk="0" hangingPunct="1">
-        <a:defRPr sz="1800" kern="1200">
+      <a:lvl4pPr marL="931591" algn="l" defTabSz="621060" rtl="0" eaLnBrk="1" latinLnBrk="0" hangingPunct="1">
+        <a:defRPr sz="1223" kern="1200">
           <a:solidFill>
             <a:schemeClr val="tx1"/>
           </a:solidFill>
@@ -3328,8 +3335,8 @@
           <a:cs typeface="+mn-cs"/>
         </a:defRPr>
       </a:lvl4pPr>
-      <a:lvl5pPr marL="1828800" algn="l" defTabSz="914400" rtl="0" eaLnBrk="1" latinLnBrk="0" hangingPunct="1">
-        <a:defRPr sz="1800" kern="1200">
+      <a:lvl5pPr marL="1242121" algn="l" defTabSz="621060" rtl="0" eaLnBrk="1" latinLnBrk="0" hangingPunct="1">
+        <a:defRPr sz="1223" kern="1200">
           <a:solidFill>
             <a:schemeClr val="tx1"/>
           </a:solidFill>
@@ -3338,8 +3345,8 @@
           <a:cs typeface="+mn-cs"/>
         </a:defRPr>
       </a:lvl5pPr>
-      <a:lvl6pPr marL="2286000" algn="l" defTabSz="914400" rtl="0" eaLnBrk="1" latinLnBrk="0" hangingPunct="1">
-        <a:defRPr sz="1800" kern="1200">
+      <a:lvl6pPr marL="1552651" algn="l" defTabSz="621060" rtl="0" eaLnBrk="1" latinLnBrk="0" hangingPunct="1">
+        <a:defRPr sz="1223" kern="1200">
           <a:solidFill>
             <a:schemeClr val="tx1"/>
           </a:solidFill>
@@ -3348,8 +3355,8 @@
           <a:cs typeface="+mn-cs"/>
         </a:defRPr>
       </a:lvl6pPr>
-      <a:lvl7pPr marL="2743200" algn="l" defTabSz="914400" rtl="0" eaLnBrk="1" latinLnBrk="0" hangingPunct="1">
-        <a:defRPr sz="1800" kern="1200">
+      <a:lvl7pPr marL="1863181" algn="l" defTabSz="621060" rtl="0" eaLnBrk="1" latinLnBrk="0" hangingPunct="1">
+        <a:defRPr sz="1223" kern="1200">
           <a:solidFill>
             <a:schemeClr val="tx1"/>
           </a:solidFill>
@@ -3358,8 +3365,8 @@
           <a:cs typeface="+mn-cs"/>
         </a:defRPr>
       </a:lvl7pPr>
-      <a:lvl8pPr marL="3200400" algn="l" defTabSz="914400" rtl="0" eaLnBrk="1" latinLnBrk="0" hangingPunct="1">
-        <a:defRPr sz="1800" kern="1200">
+      <a:lvl8pPr marL="2173712" algn="l" defTabSz="621060" rtl="0" eaLnBrk="1" latinLnBrk="0" hangingPunct="1">
+        <a:defRPr sz="1223" kern="1200">
           <a:solidFill>
             <a:schemeClr val="tx1"/>
           </a:solidFill>
@@ -3368,8 +3375,8 @@
           <a:cs typeface="+mn-cs"/>
         </a:defRPr>
       </a:lvl8pPr>
-      <a:lvl9pPr marL="3657600" algn="l" defTabSz="914400" rtl="0" eaLnBrk="1" latinLnBrk="0" hangingPunct="1">
-        <a:defRPr sz="1800" kern="1200">
+      <a:lvl9pPr marL="2484242" algn="l" defTabSz="621060" rtl="0" eaLnBrk="1" latinLnBrk="0" hangingPunct="1">
+        <a:defRPr sz="1223" kern="1200">
           <a:solidFill>
             <a:schemeClr val="tx1"/>
           </a:solidFill>
@@ -3402,13 +3409,13 @@
       </p:grpSpPr>
       <p:sp>
         <p:nvSpPr>
-          <p:cNvPr id="87" name="Oval 86"/>
+          <p:cNvPr id="202" name="Oval 201"/>
           <p:cNvSpPr/>
           <p:nvPr/>
         </p:nvSpPr>
         <p:spPr>
           <a:xfrm>
-            <a:off x="4544352" y="4473756"/>
+            <a:off x="4210720" y="3411075"/>
             <a:ext cx="624562" cy="563343"/>
           </a:xfrm>
           <a:prstGeom prst="ellipse">
@@ -3452,15 +3459,13 @@
       </p:sp>
       <p:cxnSp>
         <p:nvCxnSpPr>
-          <p:cNvPr id="89" name="Straight Connector 88"/>
-          <p:cNvCxnSpPr>
-            <a:stCxn id="87" idx="0"/>
-          </p:cNvCxnSpPr>
+          <p:cNvPr id="203" name="Straight Connector 202"/>
+          <p:cNvCxnSpPr/>
           <p:nvPr/>
         </p:nvCxnSpPr>
         <p:spPr>
           <a:xfrm flipH="1" flipV="1">
-            <a:off x="4855808" y="2218997"/>
+            <a:off x="4522176" y="1156316"/>
             <a:ext cx="825" cy="2254759"/>
           </a:xfrm>
           <a:prstGeom prst="line">
@@ -3489,15 +3494,13 @@
       </p:cxnSp>
       <p:cxnSp>
         <p:nvCxnSpPr>
-          <p:cNvPr id="102" name="Straight Connector 101"/>
-          <p:cNvCxnSpPr>
-            <a:stCxn id="87" idx="4"/>
-          </p:cNvCxnSpPr>
+          <p:cNvPr id="204" name="Straight Connector 203"/>
+          <p:cNvCxnSpPr/>
           <p:nvPr/>
         </p:nvCxnSpPr>
         <p:spPr>
           <a:xfrm flipH="1">
-            <a:off x="4850363" y="5037099"/>
+            <a:off x="4516731" y="3974418"/>
             <a:ext cx="6270" cy="613645"/>
           </a:xfrm>
           <a:prstGeom prst="line">
@@ -3526,13 +3529,13 @@
       </p:cxnSp>
       <p:cxnSp>
         <p:nvCxnSpPr>
-          <p:cNvPr id="166" name="Straight Connector 165"/>
+          <p:cNvPr id="205" name="Straight Connector 204"/>
           <p:cNvCxnSpPr/>
           <p:nvPr/>
         </p:nvCxnSpPr>
         <p:spPr>
           <a:xfrm flipV="1">
-            <a:off x="778952" y="3445187"/>
+            <a:off x="445320" y="2382506"/>
             <a:ext cx="5340" cy="285025"/>
           </a:xfrm>
           <a:prstGeom prst="line">
@@ -3561,13 +3564,13 @@
       </p:cxnSp>
       <p:cxnSp>
         <p:nvCxnSpPr>
-          <p:cNvPr id="63" name="Straight Connector 62"/>
+          <p:cNvPr id="206" name="Straight Connector 205"/>
           <p:cNvCxnSpPr/>
           <p:nvPr/>
         </p:nvCxnSpPr>
         <p:spPr>
           <a:xfrm flipV="1">
-            <a:off x="909014" y="3445187"/>
+            <a:off x="575382" y="2382506"/>
             <a:ext cx="5340" cy="285025"/>
           </a:xfrm>
           <a:prstGeom prst="line">
@@ -3596,13 +3599,13 @@
       </p:cxnSp>
       <p:cxnSp>
         <p:nvCxnSpPr>
-          <p:cNvPr id="65" name="Straight Connector 64"/>
+          <p:cNvPr id="207" name="Straight Connector 206"/>
           <p:cNvCxnSpPr/>
           <p:nvPr/>
         </p:nvCxnSpPr>
         <p:spPr>
           <a:xfrm flipV="1">
-            <a:off x="1238231" y="3445186"/>
+            <a:off x="904599" y="2382505"/>
             <a:ext cx="5340" cy="285025"/>
           </a:xfrm>
           <a:prstGeom prst="line">
@@ -3631,13 +3634,13 @@
       </p:cxnSp>
       <p:cxnSp>
         <p:nvCxnSpPr>
-          <p:cNvPr id="66" name="Straight Connector 65"/>
+          <p:cNvPr id="208" name="Straight Connector 207"/>
           <p:cNvCxnSpPr/>
           <p:nvPr/>
         </p:nvCxnSpPr>
         <p:spPr>
           <a:xfrm flipV="1">
-            <a:off x="1697510" y="3445185"/>
+            <a:off x="1363878" y="2382504"/>
             <a:ext cx="5340" cy="285025"/>
           </a:xfrm>
           <a:prstGeom prst="line">
@@ -3666,13 +3669,13 @@
       </p:cxnSp>
       <p:cxnSp>
         <p:nvCxnSpPr>
-          <p:cNvPr id="67" name="Straight Connector 66"/>
+          <p:cNvPr id="209" name="Straight Connector 208"/>
           <p:cNvCxnSpPr/>
           <p:nvPr/>
         </p:nvCxnSpPr>
         <p:spPr>
           <a:xfrm flipV="1">
-            <a:off x="1769621" y="3445184"/>
+            <a:off x="1435989" y="2382503"/>
             <a:ext cx="5340" cy="285025"/>
           </a:xfrm>
           <a:prstGeom prst="line">
@@ -3701,13 +3704,13 @@
       </p:cxnSp>
       <p:cxnSp>
         <p:nvCxnSpPr>
-          <p:cNvPr id="68" name="Straight Connector 67"/>
+          <p:cNvPr id="210" name="Straight Connector 209"/>
           <p:cNvCxnSpPr/>
           <p:nvPr/>
         </p:nvCxnSpPr>
         <p:spPr>
           <a:xfrm flipV="1">
-            <a:off x="1928431" y="3445183"/>
+            <a:off x="1594799" y="2382502"/>
             <a:ext cx="5340" cy="285025"/>
           </a:xfrm>
           <a:prstGeom prst="line">
@@ -3736,13 +3739,13 @@
       </p:cxnSp>
       <p:cxnSp>
         <p:nvCxnSpPr>
-          <p:cNvPr id="70" name="Straight Connector 69"/>
+          <p:cNvPr id="221" name="Straight Connector 220"/>
           <p:cNvCxnSpPr/>
           <p:nvPr/>
         </p:nvCxnSpPr>
         <p:spPr>
           <a:xfrm flipV="1">
-            <a:off x="2247200" y="3445183"/>
+            <a:off x="1913568" y="2382502"/>
             <a:ext cx="5340" cy="285025"/>
           </a:xfrm>
           <a:prstGeom prst="line">
@@ -3771,13 +3774,13 @@
       </p:cxnSp>
       <p:cxnSp>
         <p:nvCxnSpPr>
-          <p:cNvPr id="72" name="Straight Connector 71"/>
+          <p:cNvPr id="224" name="Straight Connector 223"/>
           <p:cNvCxnSpPr/>
           <p:nvPr/>
         </p:nvCxnSpPr>
         <p:spPr>
           <a:xfrm flipV="1">
-            <a:off x="2476350" y="3445183"/>
+            <a:off x="2142718" y="2382502"/>
             <a:ext cx="5340" cy="285025"/>
           </a:xfrm>
           <a:prstGeom prst="line">
@@ -3806,13 +3809,13 @@
       </p:cxnSp>
       <p:cxnSp>
         <p:nvCxnSpPr>
-          <p:cNvPr id="6" name="Elbow Connector 5"/>
+          <p:cNvPr id="225" name="Elbow Connector 224"/>
           <p:cNvCxnSpPr/>
           <p:nvPr/>
         </p:nvCxnSpPr>
         <p:spPr>
           <a:xfrm flipV="1">
-            <a:off x="2847681" y="3274390"/>
+            <a:off x="2514049" y="2211709"/>
             <a:ext cx="1073214" cy="313304"/>
           </a:xfrm>
           <a:prstGeom prst="bentConnector3">
@@ -3842,13 +3845,13 @@
       </p:cxnSp>
       <p:cxnSp>
         <p:nvCxnSpPr>
-          <p:cNvPr id="74" name="Elbow Connector 73"/>
+          <p:cNvPr id="226" name="Elbow Connector 225"/>
           <p:cNvCxnSpPr/>
           <p:nvPr/>
         </p:nvCxnSpPr>
         <p:spPr>
           <a:xfrm>
-            <a:off x="2847681" y="3587694"/>
+            <a:off x="2514049" y="2525013"/>
             <a:ext cx="1074918" cy="628790"/>
           </a:xfrm>
           <a:prstGeom prst="bentConnector3">
@@ -3880,13 +3883,13 @@
       </p:cxnSp>
       <p:sp>
         <p:nvSpPr>
-          <p:cNvPr id="21" name="Left Brace 20"/>
+          <p:cNvPr id="228" name="Left Brace 227"/>
           <p:cNvSpPr/>
           <p:nvPr/>
         </p:nvSpPr>
         <p:spPr>
           <a:xfrm>
-            <a:off x="511180" y="3393896"/>
+            <a:off x="177548" y="2331215"/>
             <a:ext cx="218701" cy="387597"/>
           </a:xfrm>
           <a:prstGeom prst="leftBrace">
@@ -3923,13 +3926,13 @@
       </p:sp>
       <p:sp>
         <p:nvSpPr>
-          <p:cNvPr id="75" name="Left Brace 74"/>
+          <p:cNvPr id="229" name="Left Brace 228"/>
           <p:cNvSpPr/>
           <p:nvPr/>
         </p:nvSpPr>
         <p:spPr>
           <a:xfrm flipH="1">
-            <a:off x="2498226" y="3393896"/>
+            <a:off x="2164594" y="2331215"/>
             <a:ext cx="218701" cy="387597"/>
           </a:xfrm>
           <a:prstGeom prst="leftBrace">
@@ -3969,13 +3972,13 @@
       </p:sp>
       <p:cxnSp>
         <p:nvCxnSpPr>
-          <p:cNvPr id="81" name="Straight Arrow Connector 80"/>
+          <p:cNvPr id="230" name="Straight Arrow Connector 229"/>
           <p:cNvCxnSpPr/>
           <p:nvPr/>
         </p:nvCxnSpPr>
         <p:spPr>
           <a:xfrm flipV="1">
-            <a:off x="3385140" y="4081610"/>
+            <a:off x="3051508" y="3018929"/>
             <a:ext cx="537459" cy="1184"/>
           </a:xfrm>
           <a:prstGeom prst="straightConnector1">
@@ -4005,13 +4008,13 @@
       </p:cxnSp>
       <p:cxnSp>
         <p:nvCxnSpPr>
-          <p:cNvPr id="92" name="Straight Arrow Connector 91"/>
+          <p:cNvPr id="231" name="Straight Arrow Connector 230"/>
           <p:cNvCxnSpPr/>
           <p:nvPr/>
         </p:nvCxnSpPr>
         <p:spPr>
           <a:xfrm flipV="1">
-            <a:off x="3390585" y="3954827"/>
+            <a:off x="3056953" y="2892146"/>
             <a:ext cx="537459" cy="1184"/>
           </a:xfrm>
           <a:prstGeom prst="straightConnector1">
@@ -4041,13 +4044,13 @@
       </p:cxnSp>
       <p:cxnSp>
         <p:nvCxnSpPr>
-          <p:cNvPr id="93" name="Straight Arrow Connector 92"/>
+          <p:cNvPr id="232" name="Straight Arrow Connector 231"/>
           <p:cNvCxnSpPr/>
           <p:nvPr/>
         </p:nvCxnSpPr>
         <p:spPr>
           <a:xfrm flipV="1">
-            <a:off x="3391802" y="3817523"/>
+            <a:off x="3058170" y="2754842"/>
             <a:ext cx="537459" cy="1184"/>
           </a:xfrm>
           <a:prstGeom prst="straightConnector1">
@@ -4077,13 +4080,13 @@
       </p:cxnSp>
       <p:cxnSp>
         <p:nvCxnSpPr>
-          <p:cNvPr id="95" name="Straight Arrow Connector 94"/>
+          <p:cNvPr id="233" name="Straight Arrow Connector 232"/>
           <p:cNvCxnSpPr/>
           <p:nvPr/>
         </p:nvCxnSpPr>
         <p:spPr>
           <a:xfrm flipV="1">
-            <a:off x="3385139" y="3679352"/>
+            <a:off x="3051507" y="2616671"/>
             <a:ext cx="537459" cy="1184"/>
           </a:xfrm>
           <a:prstGeom prst="straightConnector1">
@@ -4113,13 +4116,13 @@
       </p:cxnSp>
       <p:cxnSp>
         <p:nvCxnSpPr>
-          <p:cNvPr id="97" name="Straight Arrow Connector 96"/>
+          <p:cNvPr id="234" name="Straight Arrow Connector 233"/>
           <p:cNvCxnSpPr/>
           <p:nvPr/>
         </p:nvCxnSpPr>
         <p:spPr>
           <a:xfrm flipV="1">
-            <a:off x="3378975" y="3565068"/>
+            <a:off x="3045343" y="2502387"/>
             <a:ext cx="537459" cy="1184"/>
           </a:xfrm>
           <a:prstGeom prst="straightConnector1">
@@ -4149,13 +4152,13 @@
       </p:cxnSp>
       <p:cxnSp>
         <p:nvCxnSpPr>
-          <p:cNvPr id="104" name="Straight Connector 103"/>
+          <p:cNvPr id="235" name="Straight Connector 234"/>
           <p:cNvCxnSpPr/>
           <p:nvPr/>
         </p:nvCxnSpPr>
         <p:spPr>
           <a:xfrm>
-            <a:off x="1564959" y="2825598"/>
+            <a:off x="1231327" y="1762917"/>
             <a:ext cx="0" cy="285025"/>
           </a:xfrm>
           <a:prstGeom prst="line">
@@ -4184,13 +4187,13 @@
       </p:cxnSp>
       <p:sp>
         <p:nvSpPr>
-          <p:cNvPr id="117" name="Left Brace 116"/>
+          <p:cNvPr id="236" name="Left Brace 235"/>
           <p:cNvSpPr/>
           <p:nvPr/>
         </p:nvSpPr>
         <p:spPr>
           <a:xfrm>
-            <a:off x="1253892" y="2774310"/>
+            <a:off x="920260" y="1711629"/>
             <a:ext cx="218701" cy="387597"/>
           </a:xfrm>
           <a:prstGeom prst="leftBrace">
@@ -4227,13 +4230,13 @@
       </p:sp>
       <p:sp>
         <p:nvSpPr>
-          <p:cNvPr id="118" name="Left Brace 117"/>
+          <p:cNvPr id="237" name="Left Brace 236"/>
           <p:cNvSpPr/>
           <p:nvPr/>
         </p:nvSpPr>
         <p:spPr>
           <a:xfrm flipH="1">
-            <a:off x="3240934" y="2774310"/>
+            <a:off x="2907302" y="1711629"/>
             <a:ext cx="218701" cy="387597"/>
           </a:xfrm>
           <a:prstGeom prst="leftBrace">
@@ -4273,13 +4276,13 @@
       </p:sp>
       <p:sp>
         <p:nvSpPr>
-          <p:cNvPr id="2" name="TextBox 1"/>
+          <p:cNvPr id="238" name="TextBox 237"/>
           <p:cNvSpPr txBox="1"/>
           <p:nvPr/>
         </p:nvSpPr>
         <p:spPr>
           <a:xfrm>
-            <a:off x="3220593" y="1157564"/>
+            <a:off x="2886961" y="94883"/>
             <a:ext cx="2333844" cy="923330"/>
           </a:xfrm>
           <a:prstGeom prst="rect">
@@ -4324,13 +4327,13 @@
       </p:sp>
       <p:cxnSp>
         <p:nvCxnSpPr>
-          <p:cNvPr id="105" name="Straight Arrow Connector 104"/>
+          <p:cNvPr id="239" name="Straight Arrow Connector 238"/>
           <p:cNvCxnSpPr/>
           <p:nvPr/>
         </p:nvCxnSpPr>
         <p:spPr>
           <a:xfrm flipV="1">
-            <a:off x="3388275" y="3426034"/>
+            <a:off x="3054643" y="2363353"/>
             <a:ext cx="537459" cy="1184"/>
           </a:xfrm>
           <a:prstGeom prst="straightConnector1">
@@ -4360,13 +4363,13 @@
       </p:cxnSp>
       <p:cxnSp>
         <p:nvCxnSpPr>
-          <p:cNvPr id="127" name="Straight Connector 126"/>
+          <p:cNvPr id="240" name="Straight Connector 239"/>
           <p:cNvCxnSpPr/>
           <p:nvPr/>
         </p:nvCxnSpPr>
         <p:spPr>
           <a:xfrm>
-            <a:off x="1622109" y="2825598"/>
+            <a:off x="1288477" y="1762917"/>
             <a:ext cx="0" cy="285025"/>
           </a:xfrm>
           <a:prstGeom prst="line">
@@ -4395,13 +4398,13 @@
       </p:cxnSp>
       <p:cxnSp>
         <p:nvCxnSpPr>
-          <p:cNvPr id="128" name="Straight Connector 127"/>
+          <p:cNvPr id="241" name="Straight Connector 240"/>
           <p:cNvCxnSpPr/>
           <p:nvPr/>
         </p:nvCxnSpPr>
         <p:spPr>
           <a:xfrm>
-            <a:off x="1711009" y="2825598"/>
+            <a:off x="1377377" y="1762917"/>
             <a:ext cx="0" cy="285025"/>
           </a:xfrm>
           <a:prstGeom prst="line">
@@ -4430,13 +4433,13 @@
       </p:cxnSp>
       <p:cxnSp>
         <p:nvCxnSpPr>
-          <p:cNvPr id="129" name="Straight Connector 128"/>
+          <p:cNvPr id="242" name="Straight Connector 241"/>
           <p:cNvCxnSpPr/>
           <p:nvPr/>
         </p:nvCxnSpPr>
         <p:spPr>
           <a:xfrm>
-            <a:off x="2225359" y="2825598"/>
+            <a:off x="1891727" y="1762917"/>
             <a:ext cx="0" cy="285025"/>
           </a:xfrm>
           <a:prstGeom prst="line">
@@ -4465,13 +4468,13 @@
       </p:cxnSp>
       <p:cxnSp>
         <p:nvCxnSpPr>
-          <p:cNvPr id="130" name="Straight Connector 129"/>
+          <p:cNvPr id="243" name="Straight Connector 242"/>
           <p:cNvCxnSpPr/>
           <p:nvPr/>
         </p:nvCxnSpPr>
         <p:spPr>
           <a:xfrm>
-            <a:off x="2419034" y="2825596"/>
+            <a:off x="2085402" y="1762915"/>
             <a:ext cx="0" cy="285025"/>
           </a:xfrm>
           <a:prstGeom prst="line">
@@ -4500,13 +4503,13 @@
       </p:cxnSp>
       <p:cxnSp>
         <p:nvCxnSpPr>
-          <p:cNvPr id="131" name="Straight Connector 130"/>
+          <p:cNvPr id="244" name="Straight Connector 243"/>
           <p:cNvCxnSpPr/>
           <p:nvPr/>
         </p:nvCxnSpPr>
         <p:spPr>
           <a:xfrm>
-            <a:off x="2746059" y="2825596"/>
+            <a:off x="2412427" y="1762915"/>
             <a:ext cx="0" cy="285025"/>
           </a:xfrm>
           <a:prstGeom prst="line">
@@ -4535,13 +4538,13 @@
       </p:cxnSp>
       <p:cxnSp>
         <p:nvCxnSpPr>
-          <p:cNvPr id="132" name="Straight Connector 131"/>
+          <p:cNvPr id="245" name="Straight Connector 244"/>
           <p:cNvCxnSpPr/>
           <p:nvPr/>
         </p:nvCxnSpPr>
         <p:spPr>
           <a:xfrm>
-            <a:off x="3200084" y="2820802"/>
+            <a:off x="2866452" y="1758121"/>
             <a:ext cx="0" cy="285025"/>
           </a:xfrm>
           <a:prstGeom prst="line">
@@ -4570,13 +4573,13 @@
       </p:cxnSp>
       <p:cxnSp>
         <p:nvCxnSpPr>
-          <p:cNvPr id="133" name="Straight Connector 132"/>
+          <p:cNvPr id="246" name="Straight Connector 245"/>
           <p:cNvCxnSpPr/>
           <p:nvPr/>
         </p:nvCxnSpPr>
         <p:spPr>
           <a:xfrm>
-            <a:off x="3133409" y="2825596"/>
+            <a:off x="2799777" y="1762915"/>
             <a:ext cx="0" cy="285025"/>
           </a:xfrm>
           <a:prstGeom prst="line">
@@ -4605,13 +4608,13 @@
       </p:cxnSp>
       <p:cxnSp>
         <p:nvCxnSpPr>
-          <p:cNvPr id="134" name="Elbow Connector 133"/>
+          <p:cNvPr id="247" name="Elbow Connector 246"/>
           <p:cNvCxnSpPr/>
           <p:nvPr/>
         </p:nvCxnSpPr>
         <p:spPr>
           <a:xfrm flipV="1">
-            <a:off x="3583825" y="2659373"/>
+            <a:off x="3250193" y="1596692"/>
             <a:ext cx="1073214" cy="313304"/>
           </a:xfrm>
           <a:prstGeom prst="bentConnector3">
@@ -4641,13 +4644,13 @@
       </p:cxnSp>
       <p:cxnSp>
         <p:nvCxnSpPr>
-          <p:cNvPr id="135" name="Elbow Connector 134"/>
+          <p:cNvPr id="248" name="Elbow Connector 247"/>
           <p:cNvCxnSpPr/>
           <p:nvPr/>
         </p:nvCxnSpPr>
         <p:spPr>
           <a:xfrm>
-            <a:off x="3583825" y="2972677"/>
+            <a:off x="3250193" y="1909996"/>
             <a:ext cx="1074918" cy="628790"/>
           </a:xfrm>
           <a:prstGeom prst="bentConnector3">
@@ -4679,13 +4682,13 @@
       </p:cxnSp>
       <p:cxnSp>
         <p:nvCxnSpPr>
-          <p:cNvPr id="136" name="Straight Arrow Connector 135"/>
+          <p:cNvPr id="249" name="Straight Arrow Connector 248"/>
           <p:cNvCxnSpPr/>
           <p:nvPr/>
         </p:nvCxnSpPr>
         <p:spPr>
           <a:xfrm flipV="1">
-            <a:off x="4121284" y="3466593"/>
+            <a:off x="3787652" y="2403912"/>
             <a:ext cx="537459" cy="1184"/>
           </a:xfrm>
           <a:prstGeom prst="straightConnector1">
@@ -4715,13 +4718,13 @@
       </p:cxnSp>
       <p:cxnSp>
         <p:nvCxnSpPr>
-          <p:cNvPr id="137" name="Straight Arrow Connector 136"/>
+          <p:cNvPr id="250" name="Straight Arrow Connector 249"/>
           <p:cNvCxnSpPr/>
           <p:nvPr/>
         </p:nvCxnSpPr>
         <p:spPr>
           <a:xfrm flipV="1">
-            <a:off x="4126729" y="3339810"/>
+            <a:off x="3793097" y="2277129"/>
             <a:ext cx="537459" cy="1184"/>
           </a:xfrm>
           <a:prstGeom prst="straightConnector1">
@@ -4751,13 +4754,13 @@
       </p:cxnSp>
       <p:cxnSp>
         <p:nvCxnSpPr>
-          <p:cNvPr id="162" name="Straight Arrow Connector 161"/>
+          <p:cNvPr id="251" name="Straight Arrow Connector 250"/>
           <p:cNvCxnSpPr/>
           <p:nvPr/>
         </p:nvCxnSpPr>
         <p:spPr>
           <a:xfrm flipV="1">
-            <a:off x="4127946" y="3202506"/>
+            <a:off x="3794314" y="2139825"/>
             <a:ext cx="537459" cy="1184"/>
           </a:xfrm>
           <a:prstGeom prst="straightConnector1">
@@ -4787,13 +4790,13 @@
       </p:cxnSp>
       <p:cxnSp>
         <p:nvCxnSpPr>
-          <p:cNvPr id="163" name="Straight Arrow Connector 162"/>
+          <p:cNvPr id="252" name="Straight Arrow Connector 251"/>
           <p:cNvCxnSpPr/>
           <p:nvPr/>
         </p:nvCxnSpPr>
         <p:spPr>
           <a:xfrm flipV="1">
-            <a:off x="4121283" y="3064335"/>
+            <a:off x="3787651" y="2001654"/>
             <a:ext cx="537459" cy="1184"/>
           </a:xfrm>
           <a:prstGeom prst="straightConnector1">
@@ -4823,13 +4826,13 @@
       </p:cxnSp>
       <p:cxnSp>
         <p:nvCxnSpPr>
-          <p:cNvPr id="164" name="Straight Arrow Connector 163"/>
+          <p:cNvPr id="253" name="Straight Arrow Connector 252"/>
           <p:cNvCxnSpPr/>
           <p:nvPr/>
         </p:nvCxnSpPr>
         <p:spPr>
           <a:xfrm flipV="1">
-            <a:off x="4115119" y="2950051"/>
+            <a:off x="3781487" y="1887370"/>
             <a:ext cx="537459" cy="1184"/>
           </a:xfrm>
           <a:prstGeom prst="straightConnector1">
@@ -4859,13 +4862,13 @@
       </p:cxnSp>
       <p:cxnSp>
         <p:nvCxnSpPr>
-          <p:cNvPr id="165" name="Straight Arrow Connector 164"/>
+          <p:cNvPr id="254" name="Straight Arrow Connector 253"/>
           <p:cNvCxnSpPr/>
           <p:nvPr/>
         </p:nvCxnSpPr>
         <p:spPr>
           <a:xfrm flipV="1">
-            <a:off x="4124419" y="2811017"/>
+            <a:off x="3790787" y="1748336"/>
             <a:ext cx="537459" cy="1184"/>
           </a:xfrm>
           <a:prstGeom prst="straightConnector1">
@@ -4895,13 +4898,13 @@
       </p:cxnSp>
       <p:cxnSp>
         <p:nvCxnSpPr>
-          <p:cNvPr id="168" name="Straight Connector 167"/>
+          <p:cNvPr id="255" name="Straight Connector 254"/>
           <p:cNvCxnSpPr/>
           <p:nvPr/>
         </p:nvCxnSpPr>
         <p:spPr>
           <a:xfrm>
-            <a:off x="6512208" y="3287203"/>
+            <a:off x="6178576" y="2224522"/>
             <a:ext cx="0" cy="285025"/>
           </a:xfrm>
           <a:prstGeom prst="line">
@@ -4930,13 +4933,13 @@
       </p:cxnSp>
       <p:sp>
         <p:nvSpPr>
-          <p:cNvPr id="211" name="Left Brace 210"/>
+          <p:cNvPr id="256" name="Left Brace 255"/>
           <p:cNvSpPr/>
           <p:nvPr/>
         </p:nvSpPr>
         <p:spPr>
           <a:xfrm>
-            <a:off x="6201141" y="3235915"/>
+            <a:off x="5867509" y="2173234"/>
             <a:ext cx="218701" cy="387597"/>
           </a:xfrm>
           <a:prstGeom prst="leftBrace">
@@ -4973,13 +4976,13 @@
       </p:sp>
       <p:sp>
         <p:nvSpPr>
-          <p:cNvPr id="212" name="Left Brace 211"/>
+          <p:cNvPr id="257" name="Left Brace 256"/>
           <p:cNvSpPr/>
           <p:nvPr/>
         </p:nvSpPr>
         <p:spPr>
           <a:xfrm flipH="1">
-            <a:off x="8188183" y="3235915"/>
+            <a:off x="7854551" y="2173234"/>
             <a:ext cx="218701" cy="387597"/>
           </a:xfrm>
           <a:prstGeom prst="leftBrace">
@@ -5019,13 +5022,13 @@
       </p:sp>
       <p:cxnSp>
         <p:nvCxnSpPr>
-          <p:cNvPr id="213" name="Straight Connector 212"/>
+          <p:cNvPr id="258" name="Straight Connector 257"/>
           <p:cNvCxnSpPr/>
           <p:nvPr/>
         </p:nvCxnSpPr>
         <p:spPr>
           <a:xfrm>
-            <a:off x="6956680" y="3282407"/>
+            <a:off x="6623048" y="2219726"/>
             <a:ext cx="0" cy="285025"/>
           </a:xfrm>
           <a:prstGeom prst="line">
@@ -5054,13 +5057,13 @@
       </p:cxnSp>
       <p:cxnSp>
         <p:nvCxnSpPr>
-          <p:cNvPr id="214" name="Straight Connector 213"/>
+          <p:cNvPr id="259" name="Straight Connector 258"/>
           <p:cNvCxnSpPr/>
           <p:nvPr/>
         </p:nvCxnSpPr>
         <p:spPr>
           <a:xfrm>
-            <a:off x="6658258" y="3287203"/>
+            <a:off x="6324626" y="2224522"/>
             <a:ext cx="0" cy="285025"/>
           </a:xfrm>
           <a:prstGeom prst="line">
@@ -5089,13 +5092,13 @@
       </p:cxnSp>
       <p:cxnSp>
         <p:nvCxnSpPr>
-          <p:cNvPr id="215" name="Straight Connector 214"/>
+          <p:cNvPr id="260" name="Straight Connector 259"/>
           <p:cNvCxnSpPr/>
           <p:nvPr/>
         </p:nvCxnSpPr>
         <p:spPr>
           <a:xfrm>
-            <a:off x="6901083" y="3282407"/>
+            <a:off x="6567451" y="2219726"/>
             <a:ext cx="0" cy="285025"/>
           </a:xfrm>
           <a:prstGeom prst="line">
@@ -5124,13 +5127,13 @@
       </p:cxnSp>
       <p:cxnSp>
         <p:nvCxnSpPr>
-          <p:cNvPr id="216" name="Straight Connector 215"/>
+          <p:cNvPr id="261" name="Straight Connector 260"/>
           <p:cNvCxnSpPr/>
           <p:nvPr/>
         </p:nvCxnSpPr>
         <p:spPr>
           <a:xfrm>
-            <a:off x="7366283" y="3287201"/>
+            <a:off x="7032651" y="2224520"/>
             <a:ext cx="0" cy="285025"/>
           </a:xfrm>
           <a:prstGeom prst="line">
@@ -5159,13 +5162,13 @@
       </p:cxnSp>
       <p:cxnSp>
         <p:nvCxnSpPr>
-          <p:cNvPr id="217" name="Straight Connector 216"/>
+          <p:cNvPr id="262" name="Straight Connector 261"/>
           <p:cNvCxnSpPr/>
           <p:nvPr/>
         </p:nvCxnSpPr>
         <p:spPr>
           <a:xfrm>
-            <a:off x="7218140" y="3282407"/>
+            <a:off x="6884508" y="2219726"/>
             <a:ext cx="0" cy="285025"/>
           </a:xfrm>
           <a:prstGeom prst="line">
@@ -5194,13 +5197,13 @@
       </p:cxnSp>
       <p:cxnSp>
         <p:nvCxnSpPr>
-          <p:cNvPr id="218" name="Straight Connector 217"/>
+          <p:cNvPr id="263" name="Straight Connector 262"/>
           <p:cNvCxnSpPr/>
           <p:nvPr/>
         </p:nvCxnSpPr>
         <p:spPr>
           <a:xfrm>
-            <a:off x="7684143" y="3282407"/>
+            <a:off x="7350511" y="2219726"/>
             <a:ext cx="0" cy="285025"/>
           </a:xfrm>
           <a:prstGeom prst="line">
@@ -5229,13 +5232,13 @@
       </p:cxnSp>
       <p:cxnSp>
         <p:nvCxnSpPr>
-          <p:cNvPr id="219" name="Straight Connector 218"/>
+          <p:cNvPr id="264" name="Straight Connector 263"/>
           <p:cNvCxnSpPr/>
           <p:nvPr/>
         </p:nvCxnSpPr>
         <p:spPr>
           <a:xfrm>
-            <a:off x="8080658" y="3287201"/>
+            <a:off x="7747026" y="2224520"/>
             <a:ext cx="0" cy="285025"/>
           </a:xfrm>
           <a:prstGeom prst="line">
@@ -5264,13 +5267,13 @@
       </p:cxnSp>
       <p:cxnSp>
         <p:nvCxnSpPr>
-          <p:cNvPr id="220" name="Elbow Connector 219"/>
+          <p:cNvPr id="265" name="Elbow Connector 264"/>
           <p:cNvCxnSpPr/>
           <p:nvPr/>
         </p:nvCxnSpPr>
         <p:spPr>
           <a:xfrm rot="10800000">
-            <a:off x="5059768" y="2865868"/>
+            <a:off x="4726136" y="1803187"/>
             <a:ext cx="1076222" cy="572630"/>
           </a:xfrm>
           <a:prstGeom prst="bentConnector3">
@@ -5300,13 +5303,13 @@
       </p:cxnSp>
       <p:cxnSp>
         <p:nvCxnSpPr>
-          <p:cNvPr id="222" name="Elbow Connector 221"/>
+          <p:cNvPr id="266" name="Elbow Connector 265"/>
           <p:cNvCxnSpPr/>
           <p:nvPr/>
         </p:nvCxnSpPr>
         <p:spPr>
           <a:xfrm rot="10800000" flipV="1">
-            <a:off x="5059768" y="3440747"/>
+            <a:off x="4726136" y="2378066"/>
             <a:ext cx="1076224" cy="578922"/>
           </a:xfrm>
           <a:prstGeom prst="bentConnector3">
@@ -5338,13 +5341,13 @@
       </p:cxnSp>
       <p:cxnSp>
         <p:nvCxnSpPr>
-          <p:cNvPr id="223" name="Straight Arrow Connector 222"/>
+          <p:cNvPr id="267" name="Straight Arrow Connector 266"/>
           <p:cNvCxnSpPr/>
           <p:nvPr/>
         </p:nvCxnSpPr>
         <p:spPr>
           <a:xfrm flipH="1">
-            <a:off x="5053698" y="3654008"/>
+            <a:off x="4720066" y="2591327"/>
             <a:ext cx="544181" cy="0"/>
           </a:xfrm>
           <a:prstGeom prst="straightConnector1">
@@ -5374,13 +5377,13 @@
       </p:cxnSp>
       <p:cxnSp>
         <p:nvCxnSpPr>
-          <p:cNvPr id="227" name="Straight Arrow Connector 226"/>
+          <p:cNvPr id="268" name="Straight Arrow Connector 267"/>
           <p:cNvCxnSpPr/>
           <p:nvPr/>
         </p:nvCxnSpPr>
         <p:spPr>
           <a:xfrm flipH="1">
-            <a:off x="5053698" y="3240343"/>
+            <a:off x="4720066" y="2177662"/>
             <a:ext cx="531592" cy="1332"/>
           </a:xfrm>
           <a:prstGeom prst="straightConnector1">
@@ -5445,7 +5448,7 @@
         <a:srgbClr val="E7E6E6"/>
       </a:lt2>
       <a:accent1>
-        <a:srgbClr val="5B9BD5"/>
+        <a:srgbClr val="4472C4"/>
       </a:accent1>
       <a:accent2>
         <a:srgbClr val="ED7D31"/>
@@ -5457,7 +5460,7 @@
         <a:srgbClr val="FFC000"/>
       </a:accent4>
       <a:accent5>
-        <a:srgbClr val="4472C4"/>
+        <a:srgbClr val="5B9BD5"/>
       </a:accent5>
       <a:accent6>
         <a:srgbClr val="70AD47"/>
@@ -5474,9 +5477,9 @@
         <a:latin typeface="Calibri Light" panose="020F0302020204030204"/>
         <a:ea typeface=""/>
         <a:cs typeface=""/>
-        <a:font script="Jpan" typeface="ＭＳ Ｐゴシック"/>
+        <a:font script="Jpan" typeface="游ゴシック Light"/>
         <a:font script="Hang" typeface="맑은 고딕"/>
-        <a:font script="Hans" typeface="宋体"/>
+        <a:font script="Hans" typeface="等线 Light"/>
         <a:font script="Hant" typeface="新細明體"/>
         <a:font script="Arab" typeface="Times New Roman"/>
         <a:font script="Hebr" typeface="Times New Roman"/>
@@ -5509,9 +5512,9 @@
         <a:latin typeface="Calibri" panose="020F0502020204030204"/>
         <a:ea typeface=""/>
         <a:cs typeface=""/>
-        <a:font script="Jpan" typeface="ＭＳ Ｐゴシック"/>
+        <a:font script="Jpan" typeface="游ゴシック"/>
         <a:font script="Hang" typeface="맑은 고딕"/>
-        <a:font script="Hans" typeface="宋体"/>
+        <a:font script="Hans" typeface="等线"/>
         <a:font script="Hant" typeface="新細明體"/>
         <a:font script="Arab" typeface="Arial"/>
         <a:font script="Hebr" typeface="Arial"/>
